--- a/第三章 概率密度函数的估计.pptx
+++ b/第三章 概率密度函数的估计.pptx
@@ -300,7 +300,7 @@
           <a:p>
             <a:fld id="{C9354753-E41F-4D2B-A9E8-DF835AD16DD9}" type="datetimeFigureOut">
               <a:rPr lang="zh-CN" altLang="en-US" smtClean="0"/>
-              <a:t>2020/3/8</a:t>
+              <a:t>2020/3/24</a:t>
             </a:fld>
             <a:endParaRPr lang="zh-CN" altLang="en-US"/>
           </a:p>
@@ -498,7 +498,7 @@
           <a:p>
             <a:fld id="{C9354753-E41F-4D2B-A9E8-DF835AD16DD9}" type="datetimeFigureOut">
               <a:rPr lang="zh-CN" altLang="en-US" smtClean="0"/>
-              <a:t>2020/3/8</a:t>
+              <a:t>2020/3/24</a:t>
             </a:fld>
             <a:endParaRPr lang="zh-CN" altLang="en-US"/>
           </a:p>
@@ -706,7 +706,7 @@
           <a:p>
             <a:fld id="{C9354753-E41F-4D2B-A9E8-DF835AD16DD9}" type="datetimeFigureOut">
               <a:rPr lang="zh-CN" altLang="en-US" smtClean="0"/>
-              <a:t>2020/3/8</a:t>
+              <a:t>2020/3/24</a:t>
             </a:fld>
             <a:endParaRPr lang="zh-CN" altLang="en-US"/>
           </a:p>
@@ -904,7 +904,7 @@
           <a:p>
             <a:fld id="{C9354753-E41F-4D2B-A9E8-DF835AD16DD9}" type="datetimeFigureOut">
               <a:rPr lang="zh-CN" altLang="en-US" smtClean="0"/>
-              <a:t>2020/3/8</a:t>
+              <a:t>2020/3/24</a:t>
             </a:fld>
             <a:endParaRPr lang="zh-CN" altLang="en-US"/>
           </a:p>
@@ -1179,7 +1179,7 @@
           <a:p>
             <a:fld id="{C9354753-E41F-4D2B-A9E8-DF835AD16DD9}" type="datetimeFigureOut">
               <a:rPr lang="zh-CN" altLang="en-US" smtClean="0"/>
-              <a:t>2020/3/8</a:t>
+              <a:t>2020/3/24</a:t>
             </a:fld>
             <a:endParaRPr lang="zh-CN" altLang="en-US"/>
           </a:p>
@@ -1444,7 +1444,7 @@
           <a:p>
             <a:fld id="{C9354753-E41F-4D2B-A9E8-DF835AD16DD9}" type="datetimeFigureOut">
               <a:rPr lang="zh-CN" altLang="en-US" smtClean="0"/>
-              <a:t>2020/3/8</a:t>
+              <a:t>2020/3/24</a:t>
             </a:fld>
             <a:endParaRPr lang="zh-CN" altLang="en-US"/>
           </a:p>
@@ -1856,7 +1856,7 @@
           <a:p>
             <a:fld id="{C9354753-E41F-4D2B-A9E8-DF835AD16DD9}" type="datetimeFigureOut">
               <a:rPr lang="zh-CN" altLang="en-US" smtClean="0"/>
-              <a:t>2020/3/8</a:t>
+              <a:t>2020/3/24</a:t>
             </a:fld>
             <a:endParaRPr lang="zh-CN" altLang="en-US"/>
           </a:p>
@@ -1997,7 +1997,7 @@
           <a:p>
             <a:fld id="{C9354753-E41F-4D2B-A9E8-DF835AD16DD9}" type="datetimeFigureOut">
               <a:rPr lang="zh-CN" altLang="en-US" smtClean="0"/>
-              <a:t>2020/3/8</a:t>
+              <a:t>2020/3/24</a:t>
             </a:fld>
             <a:endParaRPr lang="zh-CN" altLang="en-US"/>
           </a:p>
@@ -2110,7 +2110,7 @@
           <a:p>
             <a:fld id="{C9354753-E41F-4D2B-A9E8-DF835AD16DD9}" type="datetimeFigureOut">
               <a:rPr lang="zh-CN" altLang="en-US" smtClean="0"/>
-              <a:t>2020/3/8</a:t>
+              <a:t>2020/3/24</a:t>
             </a:fld>
             <a:endParaRPr lang="zh-CN" altLang="en-US"/>
           </a:p>
@@ -2421,7 +2421,7 @@
           <a:p>
             <a:fld id="{C9354753-E41F-4D2B-A9E8-DF835AD16DD9}" type="datetimeFigureOut">
               <a:rPr lang="zh-CN" altLang="en-US" smtClean="0"/>
-              <a:t>2020/3/8</a:t>
+              <a:t>2020/3/24</a:t>
             </a:fld>
             <a:endParaRPr lang="zh-CN" altLang="en-US"/>
           </a:p>
@@ -2709,7 +2709,7 @@
           <a:p>
             <a:fld id="{C9354753-E41F-4D2B-A9E8-DF835AD16DD9}" type="datetimeFigureOut">
               <a:rPr lang="zh-CN" altLang="en-US" smtClean="0"/>
-              <a:t>2020/3/8</a:t>
+              <a:t>2020/3/24</a:t>
             </a:fld>
             <a:endParaRPr lang="zh-CN" altLang="en-US"/>
           </a:p>
@@ -2950,7 +2950,7 @@
           <a:p>
             <a:fld id="{C9354753-E41F-4D2B-A9E8-DF835AD16DD9}" type="datetimeFigureOut">
               <a:rPr lang="zh-CN" altLang="en-US" smtClean="0"/>
-              <a:t>2020/3/8</a:t>
+              <a:t>2020/3/24</a:t>
             </a:fld>
             <a:endParaRPr lang="zh-CN" altLang="en-US"/>
           </a:p>
@@ -4109,7 +4109,7 @@
             </p:spPr>
             <p:txBody>
               <a:bodyPr>
-                <a:normAutofit lnSpcReduction="10000"/>
+                <a:normAutofit/>
               </a:bodyPr>
               <a:lstStyle/>
               <a:p>
@@ -4122,51 +4122,69 @@
                 <a14:m>
                   <m:oMath xmlns:m="http://schemas.openxmlformats.org/officeDocument/2006/math">
                     <m:r>
-                      <a:rPr lang="en-US" altLang="zh-CN" i="1"/>
+                      <a:rPr lang="en-US" altLang="zh-CN" i="1">
+                        <a:latin typeface="Cambria Math" panose="02040503050406030204" pitchFamily="18" charset="0"/>
+                      </a:rPr>
                       <m:t>𝜃</m:t>
                     </m:r>
                     <m:r>
-                      <a:rPr lang="en-US" altLang="zh-CN" i="1"/>
+                      <a:rPr lang="en-US" altLang="zh-CN" i="1">
+                        <a:latin typeface="Cambria Math" panose="02040503050406030204" pitchFamily="18" charset="0"/>
+                      </a:rPr>
                       <m:t>=[</m:t>
                     </m:r>
                     <m:sSub>
                       <m:sSubPr>
                         <m:ctrlPr>
-                          <a:rPr lang="zh-CN" altLang="zh-CN" i="1"/>
+                          <a:rPr lang="zh-CN" altLang="zh-CN" i="1">
+                            <a:latin typeface="Cambria Math" panose="02040503050406030204" pitchFamily="18" charset="0"/>
+                          </a:rPr>
                         </m:ctrlPr>
                       </m:sSubPr>
                       <m:e>
                         <m:r>
-                          <a:rPr lang="en-US" altLang="zh-CN" i="1"/>
+                          <a:rPr lang="en-US" altLang="zh-CN" i="1">
+                            <a:latin typeface="Cambria Math" panose="02040503050406030204" pitchFamily="18" charset="0"/>
+                          </a:rPr>
                           <m:t>𝜃</m:t>
                         </m:r>
                       </m:e>
                       <m:sub>
                         <m:r>
-                          <a:rPr lang="en-US" altLang="zh-CN" i="1"/>
+                          <a:rPr lang="en-US" altLang="zh-CN" i="1">
+                            <a:latin typeface="Cambria Math" panose="02040503050406030204" pitchFamily="18" charset="0"/>
+                          </a:rPr>
                           <m:t>1</m:t>
                         </m:r>
                       </m:sub>
                     </m:sSub>
                     <m:r>
-                      <a:rPr lang="en-US" altLang="zh-CN" i="1"/>
+                      <a:rPr lang="en-US" altLang="zh-CN" i="1">
+                        <a:latin typeface="Cambria Math" panose="02040503050406030204" pitchFamily="18" charset="0"/>
+                      </a:rPr>
                       <m:t>,</m:t>
                     </m:r>
                     <m:sSub>
                       <m:sSubPr>
                         <m:ctrlPr>
-                          <a:rPr lang="zh-CN" altLang="zh-CN" i="1"/>
+                          <a:rPr lang="zh-CN" altLang="zh-CN" i="1">
+                            <a:latin typeface="Cambria Math" panose="02040503050406030204" pitchFamily="18" charset="0"/>
+                          </a:rPr>
                         </m:ctrlPr>
                       </m:sSubPr>
                       <m:e>
                         <m:r>
-                          <a:rPr lang="en-US" altLang="zh-CN" i="1"/>
+                          <a:rPr lang="en-US" altLang="zh-CN" i="1">
+                            <a:latin typeface="Cambria Math" panose="02040503050406030204" pitchFamily="18" charset="0"/>
+                          </a:rPr>
                           <m:t>𝜃</m:t>
                         </m:r>
                       </m:e>
                       <m:sub>
                         <m:r>
-                          <a:rPr lang="en-US" altLang="zh-CN" i="1"/>
+                          <a:rPr lang="en-US" altLang="zh-CN" i="1">
+                            <a:latin typeface="Cambria Math" panose="02040503050406030204" pitchFamily="18" charset="0"/>
+                          </a:rPr>
                           <m:t>2</m:t>
                         </m:r>
                       </m:sub>
@@ -4174,18 +4192,24 @@
                     <m:sSup>
                       <m:sSupPr>
                         <m:ctrlPr>
-                          <a:rPr lang="zh-CN" altLang="zh-CN" i="1"/>
+                          <a:rPr lang="zh-CN" altLang="zh-CN" i="1">
+                            <a:latin typeface="Cambria Math" panose="02040503050406030204" pitchFamily="18" charset="0"/>
+                          </a:rPr>
                         </m:ctrlPr>
                       </m:sSupPr>
                       <m:e>
                         <m:r>
-                          <a:rPr lang="en-US" altLang="zh-CN" i="1"/>
+                          <a:rPr lang="en-US" altLang="zh-CN" i="1">
+                            <a:latin typeface="Cambria Math" panose="02040503050406030204" pitchFamily="18" charset="0"/>
+                          </a:rPr>
                           <m:t>]</m:t>
                         </m:r>
                       </m:e>
                       <m:sup>
                         <m:r>
-                          <a:rPr lang="en-US" altLang="zh-CN" i="1"/>
+                          <a:rPr lang="en-US" altLang="zh-CN" i="1">
+                            <a:latin typeface="Cambria Math" panose="02040503050406030204" pitchFamily="18" charset="0"/>
+                          </a:rPr>
                           <m:t>𝑇</m:t>
                         </m:r>
                       </m:sup>
@@ -4201,28 +4225,38 @@
                     <m:sSub>
                       <m:sSubPr>
                         <m:ctrlPr>
-                          <a:rPr lang="zh-CN" altLang="zh-CN" i="1"/>
+                          <a:rPr lang="zh-CN" altLang="zh-CN" i="1">
+                            <a:latin typeface="Cambria Math" panose="02040503050406030204" pitchFamily="18" charset="0"/>
+                          </a:rPr>
                         </m:ctrlPr>
                       </m:sSubPr>
                       <m:e>
                         <m:r>
-                          <a:rPr lang="en-US" altLang="zh-CN" i="1"/>
+                          <a:rPr lang="en-US" altLang="zh-CN" i="1">
+                            <a:latin typeface="Cambria Math" panose="02040503050406030204" pitchFamily="18" charset="0"/>
+                          </a:rPr>
                           <m:t>𝜃</m:t>
                         </m:r>
                       </m:e>
                       <m:sub>
                         <m:r>
-                          <a:rPr lang="en-US" altLang="zh-CN" i="1"/>
+                          <a:rPr lang="en-US" altLang="zh-CN" i="1">
+                            <a:latin typeface="Cambria Math" panose="02040503050406030204" pitchFamily="18" charset="0"/>
+                          </a:rPr>
                           <m:t>1</m:t>
                         </m:r>
                       </m:sub>
                     </m:sSub>
                     <m:r>
-                      <a:rPr lang="en-US" altLang="zh-CN" i="1"/>
+                      <a:rPr lang="en-US" altLang="zh-CN" i="1">
+                        <a:latin typeface="Cambria Math" panose="02040503050406030204" pitchFamily="18" charset="0"/>
+                      </a:rPr>
                       <m:t>=</m:t>
                     </m:r>
                     <m:r>
-                      <a:rPr lang="en-US" altLang="zh-CN" i="1"/>
+                      <a:rPr lang="en-US" altLang="zh-CN" i="1">
+                        <a:latin typeface="Cambria Math" panose="02040503050406030204" pitchFamily="18" charset="0"/>
+                      </a:rPr>
                       <m:t>𝜇</m:t>
                     </m:r>
                   </m:oMath>
@@ -4236,41 +4270,55 @@
                     <m:sSub>
                       <m:sSubPr>
                         <m:ctrlPr>
-                          <a:rPr lang="zh-CN" altLang="zh-CN" i="1"/>
+                          <a:rPr lang="zh-CN" altLang="zh-CN" i="1">
+                            <a:latin typeface="Cambria Math" panose="02040503050406030204" pitchFamily="18" charset="0"/>
+                          </a:rPr>
                         </m:ctrlPr>
                       </m:sSubPr>
                       <m:e>
                         <m:r>
-                          <a:rPr lang="en-US" altLang="zh-CN" i="1"/>
+                          <a:rPr lang="en-US" altLang="zh-CN" i="1">
+                            <a:latin typeface="Cambria Math" panose="02040503050406030204" pitchFamily="18" charset="0"/>
+                          </a:rPr>
                           <m:t>𝜃</m:t>
                         </m:r>
                       </m:e>
                       <m:sub>
                         <m:r>
-                          <a:rPr lang="en-US" altLang="zh-CN" i="1"/>
+                          <a:rPr lang="en-US" altLang="zh-CN" i="1">
+                            <a:latin typeface="Cambria Math" panose="02040503050406030204" pitchFamily="18" charset="0"/>
+                          </a:rPr>
                           <m:t>2</m:t>
                         </m:r>
                       </m:sub>
                     </m:sSub>
                     <m:r>
-                      <a:rPr lang="en-US" altLang="zh-CN" i="1"/>
+                      <a:rPr lang="en-US" altLang="zh-CN" i="1">
+                        <a:latin typeface="Cambria Math" panose="02040503050406030204" pitchFamily="18" charset="0"/>
+                      </a:rPr>
                       <m:t>=</m:t>
                     </m:r>
                     <m:sSup>
                       <m:sSupPr>
                         <m:ctrlPr>
-                          <a:rPr lang="zh-CN" altLang="zh-CN" i="1"/>
+                          <a:rPr lang="zh-CN" altLang="zh-CN" i="1">
+                            <a:latin typeface="Cambria Math" panose="02040503050406030204" pitchFamily="18" charset="0"/>
+                          </a:rPr>
                         </m:ctrlPr>
                       </m:sSupPr>
                       <m:e>
                         <m:r>
-                          <a:rPr lang="en-US" altLang="zh-CN" i="1"/>
+                          <a:rPr lang="en-US" altLang="zh-CN" i="1">
+                            <a:latin typeface="Cambria Math" panose="02040503050406030204" pitchFamily="18" charset="0"/>
+                          </a:rPr>
                           <m:t>𝜎</m:t>
                         </m:r>
                       </m:e>
                       <m:sup>
                         <m:r>
-                          <a:rPr lang="en-US" altLang="zh-CN" i="1"/>
+                          <a:rPr lang="en-US" altLang="zh-CN" i="1">
+                            <a:latin typeface="Cambria Math" panose="02040503050406030204" pitchFamily="18" charset="0"/>
+                          </a:rPr>
                           <m:t>2</m:t>
                         </m:r>
                       </m:sup>
@@ -4283,38 +4331,54 @@
                 <a14:m>
                   <m:oMath xmlns:m="http://schemas.openxmlformats.org/officeDocument/2006/math">
                     <m:r>
-                      <a:rPr lang="en-US" altLang="zh-CN" i="1"/>
+                      <a:rPr lang="en-US" altLang="zh-CN" i="1">
+                        <a:latin typeface="Cambria Math" panose="02040503050406030204" pitchFamily="18" charset="0"/>
+                      </a:rPr>
                       <m:t>𝑝</m:t>
                     </m:r>
                     <m:r>
-                      <a:rPr lang="en-US" altLang="zh-CN" i="1"/>
+                      <a:rPr lang="en-US" altLang="zh-CN" i="1">
+                        <a:latin typeface="Cambria Math" panose="02040503050406030204" pitchFamily="18" charset="0"/>
+                      </a:rPr>
                       <m:t>(</m:t>
                     </m:r>
                     <m:r>
-                      <a:rPr lang="en-US" altLang="zh-CN" i="1"/>
+                      <a:rPr lang="en-US" altLang="zh-CN" i="1">
+                        <a:latin typeface="Cambria Math" panose="02040503050406030204" pitchFamily="18" charset="0"/>
+                      </a:rPr>
                       <m:t>𝑥</m:t>
                     </m:r>
                     <m:r>
-                      <a:rPr lang="en-US" altLang="zh-CN" i="1"/>
+                      <a:rPr lang="en-US" altLang="zh-CN" i="1">
+                        <a:latin typeface="Cambria Math" panose="02040503050406030204" pitchFamily="18" charset="0"/>
+                      </a:rPr>
                       <m:t>|</m:t>
                     </m:r>
                     <m:r>
-                      <a:rPr lang="en-US" altLang="zh-CN" i="1"/>
+                      <a:rPr lang="en-US" altLang="zh-CN" i="1">
+                        <a:latin typeface="Cambria Math" panose="02040503050406030204" pitchFamily="18" charset="0"/>
+                      </a:rPr>
                       <m:t>𝜃</m:t>
                     </m:r>
                     <m:r>
-                      <a:rPr lang="en-US" altLang="zh-CN" i="1"/>
+                      <a:rPr lang="en-US" altLang="zh-CN" i="1">
+                        <a:latin typeface="Cambria Math" panose="02040503050406030204" pitchFamily="18" charset="0"/>
+                      </a:rPr>
                       <m:t>)=</m:t>
                     </m:r>
                     <m:f>
                       <m:fPr>
                         <m:ctrlPr>
-                          <a:rPr lang="zh-CN" altLang="zh-CN" i="1"/>
+                          <a:rPr lang="zh-CN" altLang="zh-CN" i="1">
+                            <a:latin typeface="Cambria Math" panose="02040503050406030204" pitchFamily="18" charset="0"/>
+                          </a:rPr>
                         </m:ctrlPr>
                       </m:fPr>
                       <m:num>
                         <m:r>
-                          <a:rPr lang="en-US" altLang="zh-CN" i="1"/>
+                          <a:rPr lang="en-US" altLang="zh-CN" i="1">
+                            <a:latin typeface="Cambria Math" panose="02040503050406030204" pitchFamily="18" charset="0"/>
+                          </a:rPr>
                           <m:t>1</m:t>
                         </m:r>
                       </m:num>
@@ -4323,23 +4387,31 @@
                           <m:radPr>
                             <m:degHide m:val="on"/>
                             <m:ctrlPr>
-                              <a:rPr lang="zh-CN" altLang="zh-CN" i="1"/>
+                              <a:rPr lang="zh-CN" altLang="zh-CN" i="1">
+                                <a:latin typeface="Cambria Math" panose="02040503050406030204" pitchFamily="18" charset="0"/>
+                              </a:rPr>
                             </m:ctrlPr>
                           </m:radPr>
                           <m:deg/>
                           <m:e>
                             <m:r>
-                              <a:rPr lang="en-US" altLang="zh-CN" i="1"/>
+                              <a:rPr lang="en-US" altLang="zh-CN" i="1">
+                                <a:latin typeface="Cambria Math" panose="02040503050406030204" pitchFamily="18" charset="0"/>
+                              </a:rPr>
                               <m:t>2</m:t>
                             </m:r>
                             <m:r>
-                              <a:rPr lang="en-US" altLang="zh-CN" i="1"/>
+                              <a:rPr lang="en-US" altLang="zh-CN" i="1">
+                                <a:latin typeface="Cambria Math" panose="02040503050406030204" pitchFamily="18" charset="0"/>
+                              </a:rPr>
                               <m:t>𝜋</m:t>
                             </m:r>
                           </m:e>
                         </m:rad>
                         <m:r>
-                          <a:rPr lang="en-US" altLang="zh-CN" i="1"/>
+                          <a:rPr lang="en-US" altLang="zh-CN" i="1">
+                            <a:latin typeface="Cambria Math" panose="02040503050406030204" pitchFamily="18" charset="0"/>
+                          </a:rPr>
                           <m:t>𝜎</m:t>
                         </m:r>
                       </m:den>
@@ -4347,12 +4419,16 @@
                     <m:func>
                       <m:funcPr>
                         <m:ctrlPr>
-                          <a:rPr lang="zh-CN" altLang="zh-CN" i="1"/>
+                          <a:rPr lang="zh-CN" altLang="zh-CN" i="1">
+                            <a:latin typeface="Cambria Math" panose="02040503050406030204" pitchFamily="18" charset="0"/>
+                          </a:rPr>
                         </m:ctrlPr>
                       </m:funcPr>
                       <m:fName>
                         <m:r>
-                          <a:rPr lang="en-US" altLang="zh-CN" i="1"/>
+                          <a:rPr lang="en-US" altLang="zh-CN" i="1">
+                            <a:latin typeface="Cambria Math" panose="02040503050406030204" pitchFamily="18" charset="0"/>
+                          </a:rPr>
                           <m:t>𝑒𝑥𝑝</m:t>
                         </m:r>
                       </m:fName>
@@ -4362,29 +4438,39 @@
                             <m:begChr m:val="["/>
                             <m:endChr m:val="]"/>
                             <m:ctrlPr>
-                              <a:rPr lang="zh-CN" altLang="zh-CN" i="1"/>
+                              <a:rPr lang="zh-CN" altLang="zh-CN" i="1">
+                                <a:latin typeface="Cambria Math" panose="02040503050406030204" pitchFamily="18" charset="0"/>
+                              </a:rPr>
                             </m:ctrlPr>
                           </m:dPr>
                           <m:e>
                             <m:r>
-                              <a:rPr lang="en-US" altLang="zh-CN" i="1"/>
+                              <a:rPr lang="en-US" altLang="zh-CN" i="1">
+                                <a:latin typeface="Cambria Math" panose="02040503050406030204" pitchFamily="18" charset="0"/>
+                              </a:rPr>
                               <m:t>−</m:t>
                             </m:r>
                             <m:f>
                               <m:fPr>
                                 <m:ctrlPr>
-                                  <a:rPr lang="zh-CN" altLang="zh-CN" i="1"/>
+                                  <a:rPr lang="zh-CN" altLang="zh-CN" i="1">
+                                    <a:latin typeface="Cambria Math" panose="02040503050406030204" pitchFamily="18" charset="0"/>
+                                  </a:rPr>
                                 </m:ctrlPr>
                               </m:fPr>
                               <m:num>
                                 <m:r>
-                                  <a:rPr lang="en-US" altLang="zh-CN" i="1"/>
+                                  <a:rPr lang="en-US" altLang="zh-CN" i="1">
+                                    <a:latin typeface="Cambria Math" panose="02040503050406030204" pitchFamily="18" charset="0"/>
+                                  </a:rPr>
                                   <m:t>1</m:t>
                                 </m:r>
                               </m:num>
                               <m:den>
                                 <m:r>
-                                  <a:rPr lang="en-US" altLang="zh-CN" i="1"/>
+                                  <a:rPr lang="en-US" altLang="zh-CN" i="1">
+                                    <a:latin typeface="Cambria Math" panose="02040503050406030204" pitchFamily="18" charset="0"/>
+                                  </a:rPr>
                                   <m:t>2</m:t>
                                 </m:r>
                               </m:den>
@@ -4392,40 +4478,54 @@
                             <m:sSup>
                               <m:sSupPr>
                                 <m:ctrlPr>
-                                  <a:rPr lang="zh-CN" altLang="zh-CN" i="1"/>
+                                  <a:rPr lang="zh-CN" altLang="zh-CN" i="1">
+                                    <a:latin typeface="Cambria Math" panose="02040503050406030204" pitchFamily="18" charset="0"/>
+                                  </a:rPr>
                                 </m:ctrlPr>
                               </m:sSupPr>
                               <m:e>
                                 <m:d>
                                   <m:dPr>
                                     <m:ctrlPr>
-                                      <a:rPr lang="zh-CN" altLang="zh-CN" i="1"/>
+                                      <a:rPr lang="zh-CN" altLang="zh-CN" i="1">
+                                        <a:latin typeface="Cambria Math" panose="02040503050406030204" pitchFamily="18" charset="0"/>
+                                      </a:rPr>
                                     </m:ctrlPr>
                                   </m:dPr>
                                   <m:e>
                                     <m:f>
                                       <m:fPr>
                                         <m:ctrlPr>
-                                          <a:rPr lang="zh-CN" altLang="zh-CN" i="1"/>
+                                          <a:rPr lang="zh-CN" altLang="zh-CN" i="1">
+                                            <a:latin typeface="Cambria Math" panose="02040503050406030204" pitchFamily="18" charset="0"/>
+                                          </a:rPr>
                                         </m:ctrlPr>
                                       </m:fPr>
                                       <m:num>
                                         <m:r>
-                                          <a:rPr lang="en-US" altLang="zh-CN" i="1"/>
+                                          <a:rPr lang="en-US" altLang="zh-CN" i="1">
+                                            <a:latin typeface="Cambria Math" panose="02040503050406030204" pitchFamily="18" charset="0"/>
+                                          </a:rPr>
                                           <m:t>𝑥</m:t>
                                         </m:r>
                                         <m:r>
-                                          <a:rPr lang="en-US" altLang="zh-CN" i="1"/>
+                                          <a:rPr lang="en-US" altLang="zh-CN" i="1">
+                                            <a:latin typeface="Cambria Math" panose="02040503050406030204" pitchFamily="18" charset="0"/>
+                                          </a:rPr>
                                           <m:t>−</m:t>
                                         </m:r>
                                         <m:r>
-                                          <a:rPr lang="en-US" altLang="zh-CN" i="1"/>
+                                          <a:rPr lang="en-US" altLang="zh-CN" i="1">
+                                            <a:latin typeface="Cambria Math" panose="02040503050406030204" pitchFamily="18" charset="0"/>
+                                          </a:rPr>
                                           <m:t>𝜇</m:t>
                                         </m:r>
                                       </m:num>
                                       <m:den>
                                         <m:r>
-                                          <a:rPr lang="en-US" altLang="zh-CN" i="1"/>
+                                          <a:rPr lang="en-US" altLang="zh-CN" i="1">
+                                            <a:latin typeface="Cambria Math" panose="02040503050406030204" pitchFamily="18" charset="0"/>
+                                          </a:rPr>
                                           <m:t>𝜎</m:t>
                                         </m:r>
                                       </m:den>
@@ -4435,7 +4535,9 @@
                               </m:e>
                               <m:sup>
                                 <m:r>
-                                  <a:rPr lang="en-US" altLang="zh-CN" i="1"/>
+                                  <a:rPr lang="en-US" altLang="zh-CN" i="1">
+                                    <a:latin typeface="Cambria Math" panose="02040503050406030204" pitchFamily="18" charset="0"/>
+                                  </a:rPr>
                                   <m:t>2</m:t>
                                 </m:r>
                               </m:sup>
@@ -4471,11 +4573,15 @@
                 <a14:m>
                   <m:oMath xmlns:m="http://schemas.openxmlformats.org/officeDocument/2006/math">
                     <m:r>
-                      <a:rPr lang="en-US" altLang="zh-CN" i="1"/>
+                      <a:rPr lang="en-US" altLang="zh-CN" i="1">
+                        <a:latin typeface="Cambria Math" panose="02040503050406030204" pitchFamily="18" charset="0"/>
+                      </a:rPr>
                       <m:t>𝑋</m:t>
                     </m:r>
                     <m:r>
-                      <a:rPr lang="en-US" altLang="zh-CN" i="1"/>
+                      <a:rPr lang="en-US" altLang="zh-CN" i="1">
+                        <a:latin typeface="Cambria Math" panose="02040503050406030204" pitchFamily="18" charset="0"/>
+                      </a:rPr>
                       <m:t>=</m:t>
                     </m:r>
                     <m:d>
@@ -4483,71 +4589,95 @@
                         <m:begChr m:val="{"/>
                         <m:endChr m:val="}"/>
                         <m:ctrlPr>
-                          <a:rPr lang="zh-CN" altLang="zh-CN" i="1"/>
+                          <a:rPr lang="zh-CN" altLang="zh-CN" i="1">
+                            <a:latin typeface="Cambria Math" panose="02040503050406030204" pitchFamily="18" charset="0"/>
+                          </a:rPr>
                         </m:ctrlPr>
                       </m:dPr>
                       <m:e>
                         <m:sSub>
                           <m:sSubPr>
                             <m:ctrlPr>
-                              <a:rPr lang="zh-CN" altLang="zh-CN" i="1"/>
+                              <a:rPr lang="zh-CN" altLang="zh-CN" i="1">
+                                <a:latin typeface="Cambria Math" panose="02040503050406030204" pitchFamily="18" charset="0"/>
+                              </a:rPr>
                             </m:ctrlPr>
                           </m:sSubPr>
                           <m:e>
                             <m:r>
-                              <a:rPr lang="en-US" altLang="zh-CN" i="1"/>
+                              <a:rPr lang="en-US" altLang="zh-CN" i="1">
+                                <a:latin typeface="Cambria Math" panose="02040503050406030204" pitchFamily="18" charset="0"/>
+                              </a:rPr>
                               <m:t>𝑥</m:t>
                             </m:r>
                           </m:e>
                           <m:sub>
                             <m:r>
-                              <a:rPr lang="en-US" altLang="zh-CN" i="1"/>
+                              <a:rPr lang="en-US" altLang="zh-CN" i="1">
+                                <a:latin typeface="Cambria Math" panose="02040503050406030204" pitchFamily="18" charset="0"/>
+                              </a:rPr>
                               <m:t>1</m:t>
                             </m:r>
                           </m:sub>
                         </m:sSub>
                         <m:r>
-                          <a:rPr lang="en-US" altLang="zh-CN" i="1"/>
+                          <a:rPr lang="en-US" altLang="zh-CN" i="1">
+                            <a:latin typeface="Cambria Math" panose="02040503050406030204" pitchFamily="18" charset="0"/>
+                          </a:rPr>
                           <m:t>,</m:t>
                         </m:r>
                         <m:sSub>
                           <m:sSubPr>
                             <m:ctrlPr>
-                              <a:rPr lang="zh-CN" altLang="zh-CN" i="1"/>
+                              <a:rPr lang="zh-CN" altLang="zh-CN" i="1">
+                                <a:latin typeface="Cambria Math" panose="02040503050406030204" pitchFamily="18" charset="0"/>
+                              </a:rPr>
                             </m:ctrlPr>
                           </m:sSubPr>
                           <m:e>
                             <m:r>
-                              <a:rPr lang="en-US" altLang="zh-CN" i="1"/>
+                              <a:rPr lang="en-US" altLang="zh-CN" i="1">
+                                <a:latin typeface="Cambria Math" panose="02040503050406030204" pitchFamily="18" charset="0"/>
+                              </a:rPr>
                               <m:t>𝑥</m:t>
                             </m:r>
                           </m:e>
                           <m:sub>
                             <m:r>
-                              <a:rPr lang="en-US" altLang="zh-CN" i="1"/>
+                              <a:rPr lang="en-US" altLang="zh-CN" i="1">
+                                <a:latin typeface="Cambria Math" panose="02040503050406030204" pitchFamily="18" charset="0"/>
+                              </a:rPr>
                               <m:t>2</m:t>
                             </m:r>
                           </m:sub>
                         </m:sSub>
                         <m:r>
-                          <a:rPr lang="en-US" altLang="zh-CN" i="1"/>
+                          <a:rPr lang="en-US" altLang="zh-CN" i="1">
+                            <a:latin typeface="Cambria Math" panose="02040503050406030204" pitchFamily="18" charset="0"/>
+                          </a:rPr>
                           <m:t>,⋯,</m:t>
                         </m:r>
                         <m:sSub>
                           <m:sSubPr>
                             <m:ctrlPr>
-                              <a:rPr lang="zh-CN" altLang="zh-CN" i="1"/>
+                              <a:rPr lang="zh-CN" altLang="zh-CN" i="1">
+                                <a:latin typeface="Cambria Math" panose="02040503050406030204" pitchFamily="18" charset="0"/>
+                              </a:rPr>
                             </m:ctrlPr>
                           </m:sSubPr>
                           <m:e>
                             <m:r>
-                              <a:rPr lang="en-US" altLang="zh-CN" i="1"/>
+                              <a:rPr lang="en-US" altLang="zh-CN" i="1">
+                                <a:latin typeface="Cambria Math" panose="02040503050406030204" pitchFamily="18" charset="0"/>
+                              </a:rPr>
                               <m:t>𝑥</m:t>
                             </m:r>
                           </m:e>
                           <m:sub>
                             <m:r>
-                              <a:rPr lang="en-US" altLang="zh-CN" i="1"/>
+                              <a:rPr lang="en-US" altLang="zh-CN" i="1">
+                                <a:latin typeface="Cambria Math" panose="02040503050406030204" pitchFamily="18" charset="0"/>
+                              </a:rPr>
                               <m:t>𝑁</m:t>
                             </m:r>
                           </m:sub>
@@ -4574,65 +4704,93 @@
                 <a14:m>
                   <m:oMath xmlns:m="http://schemas.openxmlformats.org/officeDocument/2006/math">
                     <m:r>
-                      <a:rPr lang="en-US" altLang="zh-CN" i="1"/>
+                      <a:rPr lang="en-US" altLang="zh-CN" i="1">
+                        <a:latin typeface="Cambria Math" panose="02040503050406030204" pitchFamily="18" charset="0"/>
+                      </a:rPr>
                       <m:t>𝑙</m:t>
                     </m:r>
                     <m:r>
-                      <a:rPr lang="en-US" altLang="zh-CN" i="1"/>
+                      <a:rPr lang="en-US" altLang="zh-CN" i="1">
+                        <a:latin typeface="Cambria Math" panose="02040503050406030204" pitchFamily="18" charset="0"/>
+                      </a:rPr>
                       <m:t>(</m:t>
                     </m:r>
                     <m:r>
-                      <a:rPr lang="en-US" altLang="zh-CN" i="1"/>
+                      <a:rPr lang="en-US" altLang="zh-CN" i="1">
+                        <a:latin typeface="Cambria Math" panose="02040503050406030204" pitchFamily="18" charset="0"/>
+                      </a:rPr>
                       <m:t>𝑥</m:t>
                     </m:r>
                     <m:r>
-                      <a:rPr lang="en-US" altLang="zh-CN" i="1"/>
+                      <a:rPr lang="en-US" altLang="zh-CN" i="1">
+                        <a:latin typeface="Cambria Math" panose="02040503050406030204" pitchFamily="18" charset="0"/>
+                      </a:rPr>
                       <m:t>)=</m:t>
                     </m:r>
                     <m:r>
-                      <a:rPr lang="en-US" altLang="zh-CN" i="1"/>
+                      <a:rPr lang="en-US" altLang="zh-CN" i="1">
+                        <a:latin typeface="Cambria Math" panose="02040503050406030204" pitchFamily="18" charset="0"/>
+                      </a:rPr>
                       <m:t>𝑝</m:t>
                     </m:r>
                     <m:r>
-                      <a:rPr lang="en-US" altLang="zh-CN" i="1"/>
+                      <a:rPr lang="en-US" altLang="zh-CN" i="1">
+                        <a:latin typeface="Cambria Math" panose="02040503050406030204" pitchFamily="18" charset="0"/>
+                      </a:rPr>
                       <m:t>(</m:t>
                     </m:r>
                     <m:r>
-                      <a:rPr lang="en-US" altLang="zh-CN" i="1"/>
+                      <a:rPr lang="en-US" altLang="zh-CN" i="1">
+                        <a:latin typeface="Cambria Math" panose="02040503050406030204" pitchFamily="18" charset="0"/>
+                      </a:rPr>
                       <m:t>𝑋</m:t>
                     </m:r>
                     <m:r>
-                      <a:rPr lang="en-US" altLang="zh-CN" i="1"/>
+                      <a:rPr lang="en-US" altLang="zh-CN" i="1">
+                        <a:latin typeface="Cambria Math" panose="02040503050406030204" pitchFamily="18" charset="0"/>
+                      </a:rPr>
                       <m:t>|</m:t>
                     </m:r>
                     <m:r>
-                      <a:rPr lang="en-US" altLang="zh-CN" i="1"/>
+                      <a:rPr lang="en-US" altLang="zh-CN" i="1">
+                        <a:latin typeface="Cambria Math" panose="02040503050406030204" pitchFamily="18" charset="0"/>
+                      </a:rPr>
                       <m:t>𝜃</m:t>
                     </m:r>
                     <m:r>
-                      <a:rPr lang="en-US" altLang="zh-CN" i="1"/>
+                      <a:rPr lang="en-US" altLang="zh-CN" i="1">
+                        <a:latin typeface="Cambria Math" panose="02040503050406030204" pitchFamily="18" charset="0"/>
+                      </a:rPr>
                       <m:t>)=</m:t>
                     </m:r>
                     <m:nary>
                       <m:naryPr>
                         <m:chr m:val="∏"/>
                         <m:ctrlPr>
-                          <a:rPr lang="zh-CN" altLang="zh-CN" i="1"/>
+                          <a:rPr lang="zh-CN" altLang="zh-CN" i="1">
+                            <a:latin typeface="Cambria Math" panose="02040503050406030204" pitchFamily="18" charset="0"/>
+                          </a:rPr>
                         </m:ctrlPr>
                       </m:naryPr>
                       <m:sub>
                         <m:r>
-                          <a:rPr lang="en-US" altLang="zh-CN" i="1"/>
+                          <a:rPr lang="en-US" altLang="zh-CN" i="1">
+                            <a:latin typeface="Cambria Math" panose="02040503050406030204" pitchFamily="18" charset="0"/>
+                          </a:rPr>
                           <m:t>𝑘</m:t>
                         </m:r>
                         <m:r>
-                          <a:rPr lang="en-US" altLang="zh-CN" i="1"/>
+                          <a:rPr lang="en-US" altLang="zh-CN" i="1">
+                            <a:latin typeface="Cambria Math" panose="02040503050406030204" pitchFamily="18" charset="0"/>
+                          </a:rPr>
                           <m:t>=1</m:t>
                         </m:r>
                       </m:sub>
                       <m:sup>
                         <m:r>
-                          <a:rPr lang="en-US" altLang="zh-CN" i="1"/>
+                          <a:rPr lang="en-US" altLang="zh-CN" i="1">
+                            <a:latin typeface="Cambria Math" panose="02040503050406030204" pitchFamily="18" charset="0"/>
+                          </a:rPr>
                           <m:t>𝑁</m:t>
                         </m:r>
                       </m:sup>
@@ -4718,72 +4876,100 @@
                 <a14:m>
                   <m:oMath xmlns:m="http://schemas.openxmlformats.org/officeDocument/2006/math">
                     <m:r>
-                      <a:rPr lang="en-US" altLang="zh-CN" i="1"/>
+                      <a:rPr lang="en-US" altLang="zh-CN" i="1">
+                        <a:latin typeface="Cambria Math" panose="02040503050406030204" pitchFamily="18" charset="0"/>
+                      </a:rPr>
                       <m:t>𝐻</m:t>
                     </m:r>
                     <m:r>
-                      <a:rPr lang="en-US" altLang="zh-CN" i="1"/>
+                      <a:rPr lang="en-US" altLang="zh-CN" i="1">
+                        <a:latin typeface="Cambria Math" panose="02040503050406030204" pitchFamily="18" charset="0"/>
+                      </a:rPr>
                       <m:t>(</m:t>
                     </m:r>
                     <m:r>
-                      <a:rPr lang="en-US" altLang="zh-CN" i="1"/>
+                      <a:rPr lang="en-US" altLang="zh-CN" i="1">
+                        <a:latin typeface="Cambria Math" panose="02040503050406030204" pitchFamily="18" charset="0"/>
+                      </a:rPr>
                       <m:t>𝜃</m:t>
                     </m:r>
                     <m:r>
-                      <a:rPr lang="en-US" altLang="zh-CN" i="1"/>
+                      <a:rPr lang="en-US" altLang="zh-CN" i="1">
+                        <a:latin typeface="Cambria Math" panose="02040503050406030204" pitchFamily="18" charset="0"/>
+                      </a:rPr>
                       <m:t>)=</m:t>
                     </m:r>
                     <m:func>
                       <m:funcPr>
                         <m:ctrlPr>
-                          <a:rPr lang="zh-CN" altLang="zh-CN" i="1"/>
+                          <a:rPr lang="zh-CN" altLang="zh-CN" i="1">
+                            <a:latin typeface="Cambria Math" panose="02040503050406030204" pitchFamily="18" charset="0"/>
+                          </a:rPr>
                         </m:ctrlPr>
                       </m:funcPr>
                       <m:fName>
                         <m:r>
-                          <a:rPr lang="en-US" altLang="zh-CN" i="1"/>
+                          <a:rPr lang="en-US" altLang="zh-CN" i="1">
+                            <a:latin typeface="Cambria Math" panose="02040503050406030204" pitchFamily="18" charset="0"/>
+                          </a:rPr>
                           <m:t>𝑙𝑛</m:t>
                         </m:r>
                       </m:fName>
                       <m:e>
                         <m:r>
-                          <a:rPr lang="en-US" altLang="zh-CN" i="1"/>
+                          <a:rPr lang="en-US" altLang="zh-CN" i="1">
+                            <a:latin typeface="Cambria Math" panose="02040503050406030204" pitchFamily="18" charset="0"/>
+                          </a:rPr>
                           <m:t>𝑙</m:t>
                         </m:r>
                       </m:e>
                     </m:func>
                     <m:r>
-                      <a:rPr lang="en-US" altLang="zh-CN" i="1"/>
+                      <a:rPr lang="en-US" altLang="zh-CN" i="1">
+                        <a:latin typeface="Cambria Math" panose="02040503050406030204" pitchFamily="18" charset="0"/>
+                      </a:rPr>
                       <m:t>(</m:t>
                     </m:r>
                     <m:r>
-                      <a:rPr lang="en-US" altLang="zh-CN" i="1"/>
+                      <a:rPr lang="en-US" altLang="zh-CN" i="1">
+                        <a:latin typeface="Cambria Math" panose="02040503050406030204" pitchFamily="18" charset="0"/>
+                      </a:rPr>
                       <m:t>𝑥</m:t>
                     </m:r>
                     <m:r>
-                      <a:rPr lang="en-US" altLang="zh-CN" i="1"/>
+                      <a:rPr lang="en-US" altLang="zh-CN" i="1">
+                        <a:latin typeface="Cambria Math" panose="02040503050406030204" pitchFamily="18" charset="0"/>
+                      </a:rPr>
                       <m:t>)=</m:t>
                     </m:r>
                     <m:nary>
                       <m:naryPr>
                         <m:chr m:val="∑"/>
                         <m:ctrlPr>
-                          <a:rPr lang="zh-CN" altLang="zh-CN" i="1"/>
+                          <a:rPr lang="zh-CN" altLang="zh-CN" i="1">
+                            <a:latin typeface="Cambria Math" panose="02040503050406030204" pitchFamily="18" charset="0"/>
+                          </a:rPr>
                         </m:ctrlPr>
                       </m:naryPr>
                       <m:sub>
                         <m:r>
-                          <a:rPr lang="en-US" altLang="zh-CN" i="1"/>
+                          <a:rPr lang="en-US" altLang="zh-CN" i="1">
+                            <a:latin typeface="Cambria Math" panose="02040503050406030204" pitchFamily="18" charset="0"/>
+                          </a:rPr>
                           <m:t>𝑘</m:t>
                         </m:r>
                         <m:r>
-                          <a:rPr lang="en-US" altLang="zh-CN" i="1"/>
+                          <a:rPr lang="en-US" altLang="zh-CN" i="1">
+                            <a:latin typeface="Cambria Math" panose="02040503050406030204" pitchFamily="18" charset="0"/>
+                          </a:rPr>
                           <m:t>=1</m:t>
                         </m:r>
                       </m:sub>
                       <m:sup>
                         <m:r>
-                          <a:rPr lang="en-US" altLang="zh-CN" i="1"/>
+                          <a:rPr lang="en-US" altLang="zh-CN" i="1">
+                            <a:latin typeface="Cambria Math" panose="02040503050406030204" pitchFamily="18" charset="0"/>
+                          </a:rPr>
                           <m:t>𝑁</m:t>
                         </m:r>
                       </m:sup>
@@ -4792,55 +4978,75 @@
                     <m:func>
                       <m:funcPr>
                         <m:ctrlPr>
-                          <a:rPr lang="zh-CN" altLang="zh-CN" i="1"/>
+                          <a:rPr lang="zh-CN" altLang="zh-CN" i="1">
+                            <a:latin typeface="Cambria Math" panose="02040503050406030204" pitchFamily="18" charset="0"/>
+                          </a:rPr>
                         </m:ctrlPr>
                       </m:funcPr>
                       <m:fName>
                         <m:r>
-                          <a:rPr lang="en-US" altLang="zh-CN" i="1"/>
+                          <a:rPr lang="en-US" altLang="zh-CN" i="1">
+                            <a:latin typeface="Cambria Math" panose="02040503050406030204" pitchFamily="18" charset="0"/>
+                          </a:rPr>
                           <m:t>𝑙𝑛</m:t>
                         </m:r>
                       </m:fName>
                       <m:e>
                         <m:r>
-                          <a:rPr lang="en-US" altLang="zh-CN" i="1"/>
+                          <a:rPr lang="en-US" altLang="zh-CN" i="1">
+                            <a:latin typeface="Cambria Math" panose="02040503050406030204" pitchFamily="18" charset="0"/>
+                          </a:rPr>
                           <m:t>𝑃</m:t>
                         </m:r>
                       </m:e>
                     </m:func>
                     <m:r>
-                      <a:rPr lang="en-US" altLang="zh-CN" i="1"/>
+                      <a:rPr lang="en-US" altLang="zh-CN" i="1">
+                        <a:latin typeface="Cambria Math" panose="02040503050406030204" pitchFamily="18" charset="0"/>
+                      </a:rPr>
                       <m:t>(</m:t>
                     </m:r>
                     <m:sSub>
                       <m:sSubPr>
                         <m:ctrlPr>
-                          <a:rPr lang="zh-CN" altLang="zh-CN" i="1"/>
+                          <a:rPr lang="zh-CN" altLang="zh-CN" i="1">
+                            <a:latin typeface="Cambria Math" panose="02040503050406030204" pitchFamily="18" charset="0"/>
+                          </a:rPr>
                         </m:ctrlPr>
                       </m:sSubPr>
                       <m:e>
                         <m:r>
-                          <a:rPr lang="en-US" altLang="zh-CN" i="1"/>
+                          <a:rPr lang="en-US" altLang="zh-CN" i="1">
+                            <a:latin typeface="Cambria Math" panose="02040503050406030204" pitchFamily="18" charset="0"/>
+                          </a:rPr>
                           <m:t>𝑥</m:t>
                         </m:r>
                       </m:e>
                       <m:sub>
                         <m:r>
-                          <a:rPr lang="en-US" altLang="zh-CN" i="1"/>
+                          <a:rPr lang="en-US" altLang="zh-CN" i="1">
+                            <a:latin typeface="Cambria Math" panose="02040503050406030204" pitchFamily="18" charset="0"/>
+                          </a:rPr>
                           <m:t>𝑘</m:t>
                         </m:r>
                       </m:sub>
                     </m:sSub>
                     <m:r>
-                      <a:rPr lang="en-US" altLang="zh-CN" i="1"/>
+                      <a:rPr lang="en-US" altLang="zh-CN" i="1">
+                        <a:latin typeface="Cambria Math" panose="02040503050406030204" pitchFamily="18" charset="0"/>
+                      </a:rPr>
                       <m:t>|</m:t>
                     </m:r>
                     <m:r>
-                      <a:rPr lang="en-US" altLang="zh-CN" i="1"/>
+                      <a:rPr lang="en-US" altLang="zh-CN" i="1">
+                        <a:latin typeface="Cambria Math" panose="02040503050406030204" pitchFamily="18" charset="0"/>
+                      </a:rPr>
                       <m:t>𝜃</m:t>
                     </m:r>
                     <m:r>
-                      <a:rPr lang="en-US" altLang="zh-CN" i="1"/>
+                      <a:rPr lang="en-US" altLang="zh-CN" i="1">
+                        <a:latin typeface="Cambria Math" panose="02040503050406030204" pitchFamily="18" charset="0"/>
+                      </a:rPr>
                       <m:t>)</m:t>
                     </m:r>
                   </m:oMath>
@@ -4862,12 +5068,16 @@
                       <m:accPr>
                         <m:chr m:val="̂"/>
                         <m:ctrlPr>
-                          <a:rPr lang="zh-CN" altLang="zh-CN" i="1"/>
+                          <a:rPr lang="zh-CN" altLang="zh-CN" i="1">
+                            <a:latin typeface="Cambria Math" panose="02040503050406030204" pitchFamily="18" charset="0"/>
+                          </a:rPr>
                         </m:ctrlPr>
                       </m:accPr>
                       <m:e>
                         <m:r>
-                          <a:rPr lang="en-US" altLang="zh-CN" i="1"/>
+                          <a:rPr lang="en-US" altLang="zh-CN" i="1">
+                            <a:latin typeface="Cambria Math" panose="02040503050406030204" pitchFamily="18" charset="0"/>
+                          </a:rPr>
                           <m:t>𝜃</m:t>
                         </m:r>
                       </m:e>
@@ -4885,58 +5095,80 @@
                     <m:sSub>
                       <m:sSubPr>
                         <m:ctrlPr>
-                          <a:rPr lang="zh-CN" altLang="zh-CN" i="1"/>
+                          <a:rPr lang="zh-CN" altLang="zh-CN" i="1">
+                            <a:latin typeface="Cambria Math" panose="02040503050406030204" pitchFamily="18" charset="0"/>
+                          </a:rPr>
                         </m:ctrlPr>
                       </m:sSubPr>
                       <m:e>
                         <m:r>
-                          <a:rPr lang="en-US" altLang="zh-CN" i="1"/>
+                          <a:rPr lang="en-US" altLang="zh-CN" i="1">
+                            <a:latin typeface="Cambria Math" panose="02040503050406030204" pitchFamily="18" charset="0"/>
+                          </a:rPr>
                           <m:t>𝛻</m:t>
                         </m:r>
                       </m:e>
                       <m:sub>
                         <m:r>
-                          <a:rPr lang="en-US" altLang="zh-CN" i="1"/>
+                          <a:rPr lang="en-US" altLang="zh-CN" i="1">
+                            <a:latin typeface="Cambria Math" panose="02040503050406030204" pitchFamily="18" charset="0"/>
+                          </a:rPr>
                           <m:t>𝜃</m:t>
                         </m:r>
                       </m:sub>
                     </m:sSub>
                     <m:r>
-                      <a:rPr lang="en-US" altLang="zh-CN" i="1"/>
+                      <a:rPr lang="en-US" altLang="zh-CN" i="1">
+                        <a:latin typeface="Cambria Math" panose="02040503050406030204" pitchFamily="18" charset="0"/>
+                      </a:rPr>
                       <m:t>𝐻</m:t>
                     </m:r>
                     <m:r>
-                      <a:rPr lang="en-US" altLang="zh-CN" i="1"/>
+                      <a:rPr lang="en-US" altLang="zh-CN" i="1">
+                        <a:latin typeface="Cambria Math" panose="02040503050406030204" pitchFamily="18" charset="0"/>
+                      </a:rPr>
                       <m:t>(</m:t>
                     </m:r>
                     <m:r>
-                      <a:rPr lang="en-US" altLang="zh-CN" i="1"/>
+                      <a:rPr lang="en-US" altLang="zh-CN" i="1">
+                        <a:latin typeface="Cambria Math" panose="02040503050406030204" pitchFamily="18" charset="0"/>
+                      </a:rPr>
                       <m:t>𝜃</m:t>
                     </m:r>
                     <m:r>
-                      <a:rPr lang="en-US" altLang="zh-CN" i="1"/>
+                      <a:rPr lang="en-US" altLang="zh-CN" i="1">
+                        <a:latin typeface="Cambria Math" panose="02040503050406030204" pitchFamily="18" charset="0"/>
+                      </a:rPr>
                       <m:t>)=</m:t>
                     </m:r>
                     <m:nary>
                       <m:naryPr>
                         <m:chr m:val="∑"/>
                         <m:ctrlPr>
-                          <a:rPr lang="zh-CN" altLang="zh-CN" i="1"/>
+                          <a:rPr lang="zh-CN" altLang="zh-CN" i="1">
+                            <a:latin typeface="Cambria Math" panose="02040503050406030204" pitchFamily="18" charset="0"/>
+                          </a:rPr>
                         </m:ctrlPr>
                       </m:naryPr>
                       <m:sub>
                         <m:r>
-                          <a:rPr lang="en-US" altLang="zh-CN" i="1"/>
+                          <a:rPr lang="en-US" altLang="zh-CN" i="1">
+                            <a:latin typeface="Cambria Math" panose="02040503050406030204" pitchFamily="18" charset="0"/>
+                          </a:rPr>
                           <m:t>𝑘</m:t>
                         </m:r>
                         <m:r>
-                          <a:rPr lang="en-US" altLang="zh-CN" i="1"/>
+                          <a:rPr lang="en-US" altLang="zh-CN" i="1">
+                            <a:latin typeface="Cambria Math" panose="02040503050406030204" pitchFamily="18" charset="0"/>
+                          </a:rPr>
                           <m:t>=1</m:t>
                         </m:r>
                       </m:sub>
                       <m:sup>
                         <m:r>
-                          <a:rPr lang="en-US" altLang="zh-CN" i="1"/>
+                          <a:rPr lang="en-US" altLang="zh-CN" i="1">
+                            <a:latin typeface="Cambria Math" panose="02040503050406030204" pitchFamily="18" charset="0"/>
+                          </a:rPr>
                           <m:t>𝑁</m:t>
                         </m:r>
                       </m:sup>
@@ -4971,55 +5203,75 @@
                     <m:func>
                       <m:funcPr>
                         <m:ctrlPr>
-                          <a:rPr lang="zh-CN" altLang="zh-CN" i="1"/>
+                          <a:rPr lang="zh-CN" altLang="zh-CN" i="1">
+                            <a:latin typeface="Cambria Math" panose="02040503050406030204" pitchFamily="18" charset="0"/>
+                          </a:rPr>
                         </m:ctrlPr>
                       </m:funcPr>
                       <m:fName>
                         <m:r>
-                          <a:rPr lang="en-US" altLang="zh-CN" i="1"/>
+                          <a:rPr lang="en-US" altLang="zh-CN" i="1">
+                            <a:latin typeface="Cambria Math" panose="02040503050406030204" pitchFamily="18" charset="0"/>
+                          </a:rPr>
                           <m:t>𝑙𝑛</m:t>
                         </m:r>
                       </m:fName>
                       <m:e>
                         <m:r>
-                          <a:rPr lang="en-US" altLang="zh-CN" i="1"/>
+                          <a:rPr lang="en-US" altLang="zh-CN" i="1">
+                            <a:latin typeface="Cambria Math" panose="02040503050406030204" pitchFamily="18" charset="0"/>
+                          </a:rPr>
                           <m:t>𝑝</m:t>
                         </m:r>
                       </m:e>
                     </m:func>
                     <m:r>
-                      <a:rPr lang="en-US" altLang="zh-CN" i="1"/>
+                      <a:rPr lang="en-US" altLang="zh-CN" i="1">
+                        <a:latin typeface="Cambria Math" panose="02040503050406030204" pitchFamily="18" charset="0"/>
+                      </a:rPr>
                       <m:t>(</m:t>
                     </m:r>
                     <m:sSub>
                       <m:sSubPr>
                         <m:ctrlPr>
-                          <a:rPr lang="zh-CN" altLang="zh-CN" i="1"/>
+                          <a:rPr lang="zh-CN" altLang="zh-CN" i="1">
+                            <a:latin typeface="Cambria Math" panose="02040503050406030204" pitchFamily="18" charset="0"/>
+                          </a:rPr>
                         </m:ctrlPr>
                       </m:sSubPr>
                       <m:e>
                         <m:r>
-                          <a:rPr lang="en-US" altLang="zh-CN" i="1"/>
+                          <a:rPr lang="en-US" altLang="zh-CN" i="1">
+                            <a:latin typeface="Cambria Math" panose="02040503050406030204" pitchFamily="18" charset="0"/>
+                          </a:rPr>
                           <m:t>𝑥</m:t>
                         </m:r>
                       </m:e>
                       <m:sub>
                         <m:r>
-                          <a:rPr lang="en-US" altLang="zh-CN" i="1"/>
+                          <a:rPr lang="en-US" altLang="zh-CN" i="1">
+                            <a:latin typeface="Cambria Math" panose="02040503050406030204" pitchFamily="18" charset="0"/>
+                          </a:rPr>
                           <m:t>𝑘</m:t>
                         </m:r>
                       </m:sub>
                     </m:sSub>
                     <m:r>
-                      <a:rPr lang="en-US" altLang="zh-CN" i="1"/>
+                      <a:rPr lang="en-US" altLang="zh-CN" i="1">
+                        <a:latin typeface="Cambria Math" panose="02040503050406030204" pitchFamily="18" charset="0"/>
+                      </a:rPr>
                       <m:t>|</m:t>
                     </m:r>
                     <m:r>
-                      <a:rPr lang="en-US" altLang="zh-CN" i="1"/>
+                      <a:rPr lang="en-US" altLang="zh-CN" i="1">
+                        <a:latin typeface="Cambria Math" panose="02040503050406030204" pitchFamily="18" charset="0"/>
+                      </a:rPr>
                       <m:t>𝜃</m:t>
                     </m:r>
                     <m:r>
-                      <a:rPr lang="en-US" altLang="zh-CN" i="1"/>
+                      <a:rPr lang="en-US" altLang="zh-CN" i="1">
+                        <a:latin typeface="Cambria Math" panose="02040503050406030204" pitchFamily="18" charset="0"/>
+                      </a:rPr>
                       <m:t>)=0</m:t>
                     </m:r>
                   </m:oMath>
@@ -5057,7 +5309,7 @@
               <a:blipFill>
                 <a:blip r:embed="rId2"/>
                 <a:stretch>
-                  <a:fillRect l="-1043" t="-2840"/>
+                  <a:fillRect l="-1043" t="-2222"/>
                 </a:stretch>
               </a:blipFill>
             </p:spPr>
@@ -6100,72 +6352,98 @@
                     <m:func>
                       <m:funcPr>
                         <m:ctrlPr>
-                          <a:rPr lang="zh-CN" altLang="zh-CN" i="1"/>
+                          <a:rPr lang="zh-CN" altLang="zh-CN" i="1">
+                            <a:latin typeface="Cambria Math" panose="02040503050406030204" pitchFamily="18" charset="0"/>
+                          </a:rPr>
                         </m:ctrlPr>
                       </m:funcPr>
                       <m:fName>
                         <m:r>
-                          <a:rPr lang="en-US" altLang="zh-CN" i="1"/>
+                          <a:rPr lang="en-US" altLang="zh-CN" i="1">
+                            <a:latin typeface="Cambria Math" panose="02040503050406030204" pitchFamily="18" charset="0"/>
+                          </a:rPr>
                           <m:t>𝑙𝑛</m:t>
                         </m:r>
                       </m:fName>
                       <m:e>
                         <m:r>
-                          <a:rPr lang="en-US" altLang="zh-CN" i="1"/>
+                          <a:rPr lang="en-US" altLang="zh-CN" i="1">
+                            <a:latin typeface="Cambria Math" panose="02040503050406030204" pitchFamily="18" charset="0"/>
+                          </a:rPr>
                           <m:t>𝑝</m:t>
                         </m:r>
                       </m:e>
                     </m:func>
                     <m:r>
-                      <a:rPr lang="en-US" altLang="zh-CN" i="1"/>
+                      <a:rPr lang="en-US" altLang="zh-CN" i="1">
+                        <a:latin typeface="Cambria Math" panose="02040503050406030204" pitchFamily="18" charset="0"/>
+                      </a:rPr>
                       <m:t>(</m:t>
                     </m:r>
                     <m:sSub>
                       <m:sSubPr>
                         <m:ctrlPr>
-                          <a:rPr lang="zh-CN" altLang="zh-CN" i="1"/>
+                          <a:rPr lang="zh-CN" altLang="zh-CN" i="1">
+                            <a:latin typeface="Cambria Math" panose="02040503050406030204" pitchFamily="18" charset="0"/>
+                          </a:rPr>
                         </m:ctrlPr>
                       </m:sSubPr>
                       <m:e>
                         <m:r>
-                          <a:rPr lang="en-US" altLang="zh-CN" i="1"/>
+                          <a:rPr lang="en-US" altLang="zh-CN" i="1">
+                            <a:latin typeface="Cambria Math" panose="02040503050406030204" pitchFamily="18" charset="0"/>
+                          </a:rPr>
                           <m:t>𝑥</m:t>
                         </m:r>
                       </m:e>
                       <m:sub>
                         <m:r>
-                          <a:rPr lang="en-US" altLang="zh-CN" i="1"/>
+                          <a:rPr lang="en-US" altLang="zh-CN" i="1">
+                            <a:latin typeface="Cambria Math" panose="02040503050406030204" pitchFamily="18" charset="0"/>
+                          </a:rPr>
                           <m:t>𝑘</m:t>
                         </m:r>
                       </m:sub>
                     </m:sSub>
                     <m:r>
-                      <a:rPr lang="en-US" altLang="zh-CN" i="1"/>
+                      <a:rPr lang="en-US" altLang="zh-CN" i="1">
+                        <a:latin typeface="Cambria Math" panose="02040503050406030204" pitchFamily="18" charset="0"/>
+                      </a:rPr>
                       <m:t>|</m:t>
                     </m:r>
                     <m:r>
-                      <a:rPr lang="en-US" altLang="zh-CN" i="1"/>
+                      <a:rPr lang="en-US" altLang="zh-CN" i="1">
+                        <a:latin typeface="Cambria Math" panose="02040503050406030204" pitchFamily="18" charset="0"/>
+                      </a:rPr>
                       <m:t>𝜃</m:t>
                     </m:r>
                     <m:r>
-                      <a:rPr lang="en-US" altLang="zh-CN" i="1"/>
+                      <a:rPr lang="en-US" altLang="zh-CN" i="1">
+                        <a:latin typeface="Cambria Math" panose="02040503050406030204" pitchFamily="18" charset="0"/>
+                      </a:rPr>
                       <m:t>)=−</m:t>
                     </m:r>
                     <m:f>
                       <m:fPr>
                         <m:ctrlPr>
-                          <a:rPr lang="zh-CN" altLang="zh-CN" i="1"/>
+                          <a:rPr lang="zh-CN" altLang="zh-CN" i="1">
+                            <a:latin typeface="Cambria Math" panose="02040503050406030204" pitchFamily="18" charset="0"/>
+                          </a:rPr>
                         </m:ctrlPr>
                       </m:fPr>
                       <m:num>
                         <m:r>
-                          <a:rPr lang="en-US" altLang="zh-CN" i="1"/>
+                          <a:rPr lang="en-US" altLang="zh-CN" i="1">
+                            <a:latin typeface="Cambria Math" panose="02040503050406030204" pitchFamily="18" charset="0"/>
+                          </a:rPr>
                           <m:t>1</m:t>
                         </m:r>
                       </m:num>
                       <m:den>
                         <m:r>
-                          <a:rPr lang="en-US" altLang="zh-CN" i="1"/>
+                          <a:rPr lang="en-US" altLang="zh-CN" i="1">
+                            <a:latin typeface="Cambria Math" panose="02040503050406030204" pitchFamily="18" charset="0"/>
+                          </a:rPr>
                           <m:t>2</m:t>
                         </m:r>
                       </m:den>
@@ -6173,81 +6451,109 @@
                     <m:func>
                       <m:funcPr>
                         <m:ctrlPr>
-                          <a:rPr lang="zh-CN" altLang="zh-CN" i="1"/>
+                          <a:rPr lang="zh-CN" altLang="zh-CN" i="1">
+                            <a:latin typeface="Cambria Math" panose="02040503050406030204" pitchFamily="18" charset="0"/>
+                          </a:rPr>
                         </m:ctrlPr>
                       </m:funcPr>
                       <m:fName>
                         <m:r>
-                          <a:rPr lang="en-US" altLang="zh-CN" i="1"/>
+                          <a:rPr lang="en-US" altLang="zh-CN" i="1">
+                            <a:latin typeface="Cambria Math" panose="02040503050406030204" pitchFamily="18" charset="0"/>
+                          </a:rPr>
                           <m:t>𝑙𝑛</m:t>
                         </m:r>
                       </m:fName>
                       <m:e>
                         <m:r>
-                          <a:rPr lang="en-US" altLang="zh-CN" i="1"/>
+                          <a:rPr lang="en-US" altLang="zh-CN" i="1">
+                            <a:latin typeface="Cambria Math" panose="02040503050406030204" pitchFamily="18" charset="0"/>
+                          </a:rPr>
                           <m:t>2</m:t>
                         </m:r>
                       </m:e>
                     </m:func>
                     <m:r>
-                      <a:rPr lang="en-US" altLang="zh-CN" i="1"/>
+                      <a:rPr lang="en-US" altLang="zh-CN" i="1">
+                        <a:latin typeface="Cambria Math" panose="02040503050406030204" pitchFamily="18" charset="0"/>
+                      </a:rPr>
                       <m:t>𝜋</m:t>
                     </m:r>
                     <m:sSub>
                       <m:sSubPr>
                         <m:ctrlPr>
-                          <a:rPr lang="zh-CN" altLang="zh-CN" i="1"/>
+                          <a:rPr lang="zh-CN" altLang="zh-CN" i="1">
+                            <a:latin typeface="Cambria Math" panose="02040503050406030204" pitchFamily="18" charset="0"/>
+                          </a:rPr>
                         </m:ctrlPr>
                       </m:sSubPr>
                       <m:e>
                         <m:r>
-                          <a:rPr lang="en-US" altLang="zh-CN" i="1"/>
+                          <a:rPr lang="en-US" altLang="zh-CN" i="1">
+                            <a:latin typeface="Cambria Math" panose="02040503050406030204" pitchFamily="18" charset="0"/>
+                          </a:rPr>
                           <m:t>𝜃</m:t>
                         </m:r>
                       </m:e>
                       <m:sub>
                         <m:r>
-                          <a:rPr lang="en-US" altLang="zh-CN" i="1"/>
+                          <a:rPr lang="en-US" altLang="zh-CN" i="1">
+                            <a:latin typeface="Cambria Math" panose="02040503050406030204" pitchFamily="18" charset="0"/>
+                          </a:rPr>
                           <m:t>2</m:t>
                         </m:r>
                       </m:sub>
                     </m:sSub>
                     <m:r>
-                      <a:rPr lang="en-US" altLang="zh-CN" i="1"/>
+                      <a:rPr lang="en-US" altLang="zh-CN" i="1">
+                        <a:latin typeface="Cambria Math" panose="02040503050406030204" pitchFamily="18" charset="0"/>
+                      </a:rPr>
                       <m:t>−</m:t>
                     </m:r>
                     <m:f>
                       <m:fPr>
                         <m:ctrlPr>
-                          <a:rPr lang="zh-CN" altLang="zh-CN" i="1"/>
+                          <a:rPr lang="zh-CN" altLang="zh-CN" i="1">
+                            <a:latin typeface="Cambria Math" panose="02040503050406030204" pitchFamily="18" charset="0"/>
+                          </a:rPr>
                         </m:ctrlPr>
                       </m:fPr>
                       <m:num>
                         <m:r>
-                          <a:rPr lang="en-US" altLang="zh-CN" i="1"/>
+                          <a:rPr lang="en-US" altLang="zh-CN" i="1">
+                            <a:latin typeface="Cambria Math" panose="02040503050406030204" pitchFamily="18" charset="0"/>
+                          </a:rPr>
                           <m:t>1</m:t>
                         </m:r>
                       </m:num>
                       <m:den>
                         <m:r>
-                          <a:rPr lang="en-US" altLang="zh-CN" i="1"/>
+                          <a:rPr lang="en-US" altLang="zh-CN" i="1">
+                            <a:latin typeface="Cambria Math" panose="02040503050406030204" pitchFamily="18" charset="0"/>
+                          </a:rPr>
                           <m:t>2</m:t>
                         </m:r>
                         <m:sSub>
                           <m:sSubPr>
                             <m:ctrlPr>
-                              <a:rPr lang="zh-CN" altLang="zh-CN" i="1"/>
+                              <a:rPr lang="zh-CN" altLang="zh-CN" i="1">
+                                <a:latin typeface="Cambria Math" panose="02040503050406030204" pitchFamily="18" charset="0"/>
+                              </a:rPr>
                             </m:ctrlPr>
                           </m:sSubPr>
                           <m:e>
                             <m:r>
-                              <a:rPr lang="en-US" altLang="zh-CN" i="1"/>
+                              <a:rPr lang="en-US" altLang="zh-CN" i="1">
+                                <a:latin typeface="Cambria Math" panose="02040503050406030204" pitchFamily="18" charset="0"/>
+                              </a:rPr>
                               <m:t>𝜃</m:t>
                             </m:r>
                           </m:e>
                           <m:sub>
                             <m:r>
-                              <a:rPr lang="en-US" altLang="zh-CN" i="1"/>
+                              <a:rPr lang="en-US" altLang="zh-CN" i="1">
+                                <a:latin typeface="Cambria Math" panose="02040503050406030204" pitchFamily="18" charset="0"/>
+                              </a:rPr>
                               <m:t>2</m:t>
                             </m:r>
                           </m:sub>
@@ -6255,47 +6561,63 @@
                       </m:den>
                     </m:f>
                     <m:r>
-                      <a:rPr lang="en-US" altLang="zh-CN" i="1"/>
+                      <a:rPr lang="en-US" altLang="zh-CN" i="1">
+                        <a:latin typeface="Cambria Math" panose="02040503050406030204" pitchFamily="18" charset="0"/>
+                      </a:rPr>
                       <m:t>(</m:t>
                     </m:r>
                     <m:sSub>
                       <m:sSubPr>
                         <m:ctrlPr>
-                          <a:rPr lang="zh-CN" altLang="zh-CN" i="1"/>
+                          <a:rPr lang="zh-CN" altLang="zh-CN" i="1">
+                            <a:latin typeface="Cambria Math" panose="02040503050406030204" pitchFamily="18" charset="0"/>
+                          </a:rPr>
                         </m:ctrlPr>
                       </m:sSubPr>
                       <m:e>
                         <m:r>
-                          <a:rPr lang="en-US" altLang="zh-CN" i="1"/>
+                          <a:rPr lang="en-US" altLang="zh-CN" i="1">
+                            <a:latin typeface="Cambria Math" panose="02040503050406030204" pitchFamily="18" charset="0"/>
+                          </a:rPr>
                           <m:t>𝑥</m:t>
                         </m:r>
                       </m:e>
                       <m:sub>
                         <m:r>
-                          <a:rPr lang="en-US" altLang="zh-CN" i="1"/>
+                          <a:rPr lang="en-US" altLang="zh-CN" i="1">
+                            <a:latin typeface="Cambria Math" panose="02040503050406030204" pitchFamily="18" charset="0"/>
+                          </a:rPr>
                           <m:t>𝑘</m:t>
                         </m:r>
                       </m:sub>
                     </m:sSub>
                     <m:r>
-                      <a:rPr lang="en-US" altLang="zh-CN" i="1"/>
+                      <a:rPr lang="en-US" altLang="zh-CN" i="1">
+                        <a:latin typeface="Cambria Math" panose="02040503050406030204" pitchFamily="18" charset="0"/>
+                      </a:rPr>
                       <m:t>−</m:t>
                     </m:r>
                     <m:sSub>
                       <m:sSubPr>
                         <m:ctrlPr>
-                          <a:rPr lang="zh-CN" altLang="zh-CN" i="1"/>
+                          <a:rPr lang="zh-CN" altLang="zh-CN" i="1">
+                            <a:latin typeface="Cambria Math" panose="02040503050406030204" pitchFamily="18" charset="0"/>
+                          </a:rPr>
                         </m:ctrlPr>
                       </m:sSubPr>
                       <m:e>
                         <m:r>
-                          <a:rPr lang="en-US" altLang="zh-CN" i="1"/>
+                          <a:rPr lang="en-US" altLang="zh-CN" i="1">
+                            <a:latin typeface="Cambria Math" panose="02040503050406030204" pitchFamily="18" charset="0"/>
+                          </a:rPr>
                           <m:t>𝜃</m:t>
                         </m:r>
                       </m:e>
                       <m:sub>
                         <m:r>
-                          <a:rPr lang="en-US" altLang="zh-CN" i="1"/>
+                          <a:rPr lang="en-US" altLang="zh-CN" i="1">
+                            <a:latin typeface="Cambria Math" panose="02040503050406030204" pitchFamily="18" charset="0"/>
+                          </a:rPr>
                           <m:t>1</m:t>
                         </m:r>
                       </m:sub>
@@ -6303,18 +6625,24 @@
                     <m:sSup>
                       <m:sSupPr>
                         <m:ctrlPr>
-                          <a:rPr lang="zh-CN" altLang="zh-CN" i="1"/>
+                          <a:rPr lang="zh-CN" altLang="zh-CN" i="1">
+                            <a:latin typeface="Cambria Math" panose="02040503050406030204" pitchFamily="18" charset="0"/>
+                          </a:rPr>
                         </m:ctrlPr>
                       </m:sSupPr>
                       <m:e>
                         <m:r>
-                          <a:rPr lang="en-US" altLang="zh-CN" i="1"/>
+                          <a:rPr lang="en-US" altLang="zh-CN" i="1">
+                            <a:latin typeface="Cambria Math" panose="02040503050406030204" pitchFamily="18" charset="0"/>
+                          </a:rPr>
                           <m:t>)</m:t>
                         </m:r>
                       </m:e>
                       <m:sup>
                         <m:r>
-                          <a:rPr lang="en-US" altLang="zh-CN" i="1"/>
+                          <a:rPr lang="en-US" altLang="zh-CN" i="1">
+                            <a:latin typeface="Cambria Math" panose="02040503050406030204" pitchFamily="18" charset="0"/>
+                          </a:rPr>
                           <m:t>2</m:t>
                         </m:r>
                       </m:sup>
@@ -6329,18 +6657,24 @@
                     <m:sSub>
                       <m:sSubPr>
                         <m:ctrlPr>
-                          <a:rPr lang="zh-CN" altLang="zh-CN" i="1"/>
+                          <a:rPr lang="zh-CN" altLang="zh-CN" i="1">
+                            <a:latin typeface="Cambria Math" panose="02040503050406030204" pitchFamily="18" charset="0"/>
+                          </a:rPr>
                         </m:ctrlPr>
                       </m:sSubPr>
                       <m:e>
                         <m:r>
-                          <a:rPr lang="en-US" altLang="zh-CN" i="1"/>
+                          <a:rPr lang="en-US" altLang="zh-CN" i="1">
+                            <a:latin typeface="Cambria Math" panose="02040503050406030204" pitchFamily="18" charset="0"/>
+                          </a:rPr>
                           <m:t>𝛻</m:t>
                         </m:r>
                       </m:e>
                       <m:sub>
                         <m:r>
-                          <a:rPr lang="en-US" altLang="zh-CN" i="1"/>
+                          <a:rPr lang="en-US" altLang="zh-CN" i="1">
+                            <a:latin typeface="Cambria Math" panose="02040503050406030204" pitchFamily="18" charset="0"/>
+                          </a:rPr>
                           <m:t>𝜃</m:t>
                         </m:r>
                       </m:sub>
@@ -6348,55 +6682,75 @@
                     <m:func>
                       <m:funcPr>
                         <m:ctrlPr>
-                          <a:rPr lang="zh-CN" altLang="zh-CN" i="1"/>
+                          <a:rPr lang="zh-CN" altLang="zh-CN" i="1">
+                            <a:latin typeface="Cambria Math" panose="02040503050406030204" pitchFamily="18" charset="0"/>
+                          </a:rPr>
                         </m:ctrlPr>
                       </m:funcPr>
                       <m:fName>
                         <m:r>
-                          <a:rPr lang="en-US" altLang="zh-CN" i="1"/>
+                          <a:rPr lang="en-US" altLang="zh-CN" i="1">
+                            <a:latin typeface="Cambria Math" panose="02040503050406030204" pitchFamily="18" charset="0"/>
+                          </a:rPr>
                           <m:t>𝑙𝑛</m:t>
                         </m:r>
                       </m:fName>
                       <m:e>
                         <m:r>
-                          <a:rPr lang="en-US" altLang="zh-CN" i="1"/>
+                          <a:rPr lang="en-US" altLang="zh-CN" i="1">
+                            <a:latin typeface="Cambria Math" panose="02040503050406030204" pitchFamily="18" charset="0"/>
+                          </a:rPr>
                           <m:t>𝑝</m:t>
                         </m:r>
                       </m:e>
                     </m:func>
                     <m:r>
-                      <a:rPr lang="en-US" altLang="zh-CN" i="1"/>
+                      <a:rPr lang="en-US" altLang="zh-CN" i="1">
+                        <a:latin typeface="Cambria Math" panose="02040503050406030204" pitchFamily="18" charset="0"/>
+                      </a:rPr>
                       <m:t>(</m:t>
                     </m:r>
                     <m:sSub>
                       <m:sSubPr>
                         <m:ctrlPr>
-                          <a:rPr lang="zh-CN" altLang="zh-CN" i="1"/>
+                          <a:rPr lang="zh-CN" altLang="zh-CN" i="1">
+                            <a:latin typeface="Cambria Math" panose="02040503050406030204" pitchFamily="18" charset="0"/>
+                          </a:rPr>
                         </m:ctrlPr>
                       </m:sSubPr>
                       <m:e>
                         <m:r>
-                          <a:rPr lang="en-US" altLang="zh-CN" i="1"/>
+                          <a:rPr lang="en-US" altLang="zh-CN" i="1">
+                            <a:latin typeface="Cambria Math" panose="02040503050406030204" pitchFamily="18" charset="0"/>
+                          </a:rPr>
                           <m:t>𝑥</m:t>
                         </m:r>
                       </m:e>
                       <m:sub>
                         <m:r>
-                          <a:rPr lang="en-US" altLang="zh-CN" i="1"/>
+                          <a:rPr lang="en-US" altLang="zh-CN" i="1">
+                            <a:latin typeface="Cambria Math" panose="02040503050406030204" pitchFamily="18" charset="0"/>
+                          </a:rPr>
                           <m:t>𝑘</m:t>
                         </m:r>
                       </m:sub>
                     </m:sSub>
                     <m:r>
-                      <a:rPr lang="en-US" altLang="zh-CN" i="1"/>
+                      <a:rPr lang="en-US" altLang="zh-CN" i="1">
+                        <a:latin typeface="Cambria Math" panose="02040503050406030204" pitchFamily="18" charset="0"/>
+                      </a:rPr>
                       <m:t>|</m:t>
                     </m:r>
                     <m:r>
-                      <a:rPr lang="en-US" altLang="zh-CN" i="1"/>
+                      <a:rPr lang="en-US" altLang="zh-CN" i="1">
+                        <a:latin typeface="Cambria Math" panose="02040503050406030204" pitchFamily="18" charset="0"/>
+                      </a:rPr>
                       <m:t>𝜃</m:t>
                     </m:r>
                     <m:r>
-                      <a:rPr lang="en-US" altLang="zh-CN" i="1"/>
+                      <a:rPr lang="en-US" altLang="zh-CN" i="1">
+                        <a:latin typeface="Cambria Math" panose="02040503050406030204" pitchFamily="18" charset="0"/>
+                      </a:rPr>
                       <m:t>)=</m:t>
                     </m:r>
                     <m:d>
@@ -6404,26 +6758,34 @@
                         <m:begChr m:val="["/>
                         <m:endChr m:val="]"/>
                         <m:ctrlPr>
-                          <a:rPr lang="zh-CN" altLang="zh-CN" i="1"/>
+                          <a:rPr lang="zh-CN" altLang="zh-CN" i="1">
+                            <a:latin typeface="Cambria Math" panose="02040503050406030204" pitchFamily="18" charset="0"/>
+                          </a:rPr>
                         </m:ctrlPr>
                       </m:dPr>
                       <m:e>
                         <m:eqArr>
                           <m:eqArrPr>
                             <m:ctrlPr>
-                              <a:rPr lang="zh-CN" altLang="zh-CN" i="1"/>
+                              <a:rPr lang="zh-CN" altLang="zh-CN" i="1">
+                                <a:latin typeface="Cambria Math" panose="02040503050406030204" pitchFamily="18" charset="0"/>
+                              </a:rPr>
                             </m:ctrlPr>
                           </m:eqArrPr>
                           <m:e>
                             <m:f>
                               <m:fPr>
                                 <m:ctrlPr>
-                                  <a:rPr lang="zh-CN" altLang="zh-CN" i="1"/>
+                                  <a:rPr lang="zh-CN" altLang="zh-CN" i="1">
+                                    <a:latin typeface="Cambria Math" panose="02040503050406030204" pitchFamily="18" charset="0"/>
+                                  </a:rPr>
                                 </m:ctrlPr>
                               </m:fPr>
                               <m:num>
                                 <m:r>
-                                  <a:rPr lang="en-US" altLang="zh-CN" i="1"/>
+                                  <a:rPr lang="en-US" altLang="zh-CN" i="1">
+                                    <a:latin typeface="Cambria Math" panose="02040503050406030204" pitchFamily="18" charset="0"/>
+                                  </a:rPr>
                                   <m:t>1</m:t>
                                 </m:r>
                               </m:num>
@@ -6431,18 +6793,24 @@
                                 <m:sSub>
                                   <m:sSubPr>
                                     <m:ctrlPr>
-                                      <a:rPr lang="zh-CN" altLang="zh-CN" i="1"/>
+                                      <a:rPr lang="zh-CN" altLang="zh-CN" i="1">
+                                        <a:latin typeface="Cambria Math" panose="02040503050406030204" pitchFamily="18" charset="0"/>
+                                      </a:rPr>
                                     </m:ctrlPr>
                                   </m:sSubPr>
                                   <m:e>
                                     <m:r>
-                                      <a:rPr lang="en-US" altLang="zh-CN" i="1"/>
+                                      <a:rPr lang="en-US" altLang="zh-CN" i="1">
+                                        <a:latin typeface="Cambria Math" panose="02040503050406030204" pitchFamily="18" charset="0"/>
+                                      </a:rPr>
                                       <m:t>𝜃</m:t>
                                     </m:r>
                                   </m:e>
                                   <m:sub>
                                     <m:r>
-                                      <a:rPr lang="en-US" altLang="zh-CN" i="1"/>
+                                      <a:rPr lang="en-US" altLang="zh-CN" i="1">
+                                        <a:latin typeface="Cambria Math" panose="02040503050406030204" pitchFamily="18" charset="0"/>
+                                      </a:rPr>
                                       <m:t>2</m:t>
                                     </m:r>
                                   </m:sub>
@@ -6450,93 +6818,125 @@
                               </m:den>
                             </m:f>
                             <m:r>
-                              <a:rPr lang="en-US" altLang="zh-CN" i="1"/>
+                              <a:rPr lang="en-US" altLang="zh-CN" i="1">
+                                <a:latin typeface="Cambria Math" panose="02040503050406030204" pitchFamily="18" charset="0"/>
+                              </a:rPr>
                               <m:t>(</m:t>
                             </m:r>
                             <m:sSub>
                               <m:sSubPr>
                                 <m:ctrlPr>
-                                  <a:rPr lang="zh-CN" altLang="zh-CN" i="1"/>
+                                  <a:rPr lang="zh-CN" altLang="zh-CN" i="1">
+                                    <a:latin typeface="Cambria Math" panose="02040503050406030204" pitchFamily="18" charset="0"/>
+                                  </a:rPr>
                                 </m:ctrlPr>
                               </m:sSubPr>
                               <m:e>
                                 <m:r>
-                                  <a:rPr lang="en-US" altLang="zh-CN" i="1"/>
+                                  <a:rPr lang="en-US" altLang="zh-CN" i="1">
+                                    <a:latin typeface="Cambria Math" panose="02040503050406030204" pitchFamily="18" charset="0"/>
+                                  </a:rPr>
                                   <m:t>𝑥</m:t>
                                 </m:r>
                               </m:e>
                               <m:sub>
                                 <m:r>
-                                  <a:rPr lang="en-US" altLang="zh-CN" i="1"/>
+                                  <a:rPr lang="en-US" altLang="zh-CN" i="1">
+                                    <a:latin typeface="Cambria Math" panose="02040503050406030204" pitchFamily="18" charset="0"/>
+                                  </a:rPr>
                                   <m:t>𝑘</m:t>
                                 </m:r>
                               </m:sub>
                             </m:sSub>
                             <m:r>
-                              <a:rPr lang="en-US" altLang="zh-CN" i="1"/>
+                              <a:rPr lang="en-US" altLang="zh-CN" i="1">
+                                <a:latin typeface="Cambria Math" panose="02040503050406030204" pitchFamily="18" charset="0"/>
+                              </a:rPr>
                               <m:t>−</m:t>
                             </m:r>
                             <m:sSub>
                               <m:sSubPr>
                                 <m:ctrlPr>
-                                  <a:rPr lang="zh-CN" altLang="zh-CN" i="1"/>
+                                  <a:rPr lang="zh-CN" altLang="zh-CN" i="1">
+                                    <a:latin typeface="Cambria Math" panose="02040503050406030204" pitchFamily="18" charset="0"/>
+                                  </a:rPr>
                                 </m:ctrlPr>
                               </m:sSubPr>
                               <m:e>
                                 <m:r>
-                                  <a:rPr lang="en-US" altLang="zh-CN" i="1"/>
+                                  <a:rPr lang="en-US" altLang="zh-CN" i="1">
+                                    <a:latin typeface="Cambria Math" panose="02040503050406030204" pitchFamily="18" charset="0"/>
+                                  </a:rPr>
                                   <m:t>𝜃</m:t>
                                 </m:r>
                               </m:e>
                               <m:sub>
                                 <m:r>
-                                  <a:rPr lang="en-US" altLang="zh-CN" i="1"/>
+                                  <a:rPr lang="en-US" altLang="zh-CN" i="1">
+                                    <a:latin typeface="Cambria Math" panose="02040503050406030204" pitchFamily="18" charset="0"/>
+                                  </a:rPr>
                                   <m:t>1</m:t>
                                 </m:r>
                               </m:sub>
                             </m:sSub>
                             <m:r>
-                              <a:rPr lang="en-US" altLang="zh-CN" i="1"/>
+                              <a:rPr lang="en-US" altLang="zh-CN" i="1">
+                                <a:latin typeface="Cambria Math" panose="02040503050406030204" pitchFamily="18" charset="0"/>
+                              </a:rPr>
                               <m:t>)</m:t>
                             </m:r>
                           </m:e>
                           <m:e>
                             <m:r>
-                              <a:rPr lang="en-US" altLang="zh-CN" i="1"/>
+                              <a:rPr lang="en-US" altLang="zh-CN" i="1">
+                                <a:latin typeface="Cambria Math" panose="02040503050406030204" pitchFamily="18" charset="0"/>
+                              </a:rPr>
                               <m:t>−</m:t>
                             </m:r>
                             <m:f>
                               <m:fPr>
                                 <m:ctrlPr>
-                                  <a:rPr lang="zh-CN" altLang="zh-CN" i="1"/>
+                                  <a:rPr lang="zh-CN" altLang="zh-CN" i="1">
+                                    <a:latin typeface="Cambria Math" panose="02040503050406030204" pitchFamily="18" charset="0"/>
+                                  </a:rPr>
                                 </m:ctrlPr>
                               </m:fPr>
                               <m:num>
                                 <m:r>
-                                  <a:rPr lang="en-US" altLang="zh-CN" i="1"/>
+                                  <a:rPr lang="en-US" altLang="zh-CN" i="1">
+                                    <a:latin typeface="Cambria Math" panose="02040503050406030204" pitchFamily="18" charset="0"/>
+                                  </a:rPr>
                                   <m:t>1</m:t>
                                 </m:r>
                               </m:num>
                               <m:den>
                                 <m:r>
-                                  <a:rPr lang="en-US" altLang="zh-CN" i="1"/>
+                                  <a:rPr lang="en-US" altLang="zh-CN" i="1">
+                                    <a:latin typeface="Cambria Math" panose="02040503050406030204" pitchFamily="18" charset="0"/>
+                                  </a:rPr>
                                   <m:t>2</m:t>
                                 </m:r>
                                 <m:sSub>
                                   <m:sSubPr>
                                     <m:ctrlPr>
-                                      <a:rPr lang="zh-CN" altLang="zh-CN" i="1"/>
+                                      <a:rPr lang="zh-CN" altLang="zh-CN" i="1">
+                                        <a:latin typeface="Cambria Math" panose="02040503050406030204" pitchFamily="18" charset="0"/>
+                                      </a:rPr>
                                     </m:ctrlPr>
                                   </m:sSubPr>
                                   <m:e>
                                     <m:r>
-                                      <a:rPr lang="en-US" altLang="zh-CN" i="1"/>
+                                      <a:rPr lang="en-US" altLang="zh-CN" i="1">
+                                        <a:latin typeface="Cambria Math" panose="02040503050406030204" pitchFamily="18" charset="0"/>
+                                      </a:rPr>
                                       <m:t>𝜃</m:t>
                                     </m:r>
                                   </m:e>
                                   <m:sub>
                                     <m:r>
-                                      <a:rPr lang="en-US" altLang="zh-CN" i="1"/>
+                                      <a:rPr lang="en-US" altLang="zh-CN" i="1">
+                                        <a:latin typeface="Cambria Math" panose="02040503050406030204" pitchFamily="18" charset="0"/>
+                                      </a:rPr>
                                       <m:t>2</m:t>
                                     </m:r>
                                   </m:sub>
@@ -6544,47 +6944,63 @@
                               </m:den>
                             </m:f>
                             <m:r>
-                              <a:rPr lang="en-US" altLang="zh-CN" i="1"/>
+                              <a:rPr lang="en-US" altLang="zh-CN" i="1">
+                                <a:latin typeface="Cambria Math" panose="02040503050406030204" pitchFamily="18" charset="0"/>
+                              </a:rPr>
                               <m:t>+</m:t>
                             </m:r>
                             <m:f>
                               <m:fPr>
                                 <m:ctrlPr>
-                                  <a:rPr lang="zh-CN" altLang="zh-CN" i="1"/>
+                                  <a:rPr lang="zh-CN" altLang="zh-CN" i="1">
+                                    <a:latin typeface="Cambria Math" panose="02040503050406030204" pitchFamily="18" charset="0"/>
+                                  </a:rPr>
                                 </m:ctrlPr>
                               </m:fPr>
                               <m:num>
                                 <m:r>
-                                  <a:rPr lang="en-US" altLang="zh-CN" i="1"/>
+                                  <a:rPr lang="en-US" altLang="zh-CN" i="1">
+                                    <a:latin typeface="Cambria Math" panose="02040503050406030204" pitchFamily="18" charset="0"/>
+                                  </a:rPr>
                                   <m:t>1</m:t>
                                 </m:r>
                               </m:num>
                               <m:den>
                                 <m:r>
-                                  <a:rPr lang="en-US" altLang="zh-CN" i="1"/>
+                                  <a:rPr lang="en-US" altLang="zh-CN" i="1">
+                                    <a:latin typeface="Cambria Math" panose="02040503050406030204" pitchFamily="18" charset="0"/>
+                                  </a:rPr>
                                   <m:t>2</m:t>
                                 </m:r>
                                 <m:sSubSup>
                                   <m:sSubSupPr>
                                     <m:ctrlPr>
-                                      <a:rPr lang="zh-CN" altLang="zh-CN" i="1"/>
+                                      <a:rPr lang="zh-CN" altLang="zh-CN" i="1">
+                                        <a:latin typeface="Cambria Math" panose="02040503050406030204" pitchFamily="18" charset="0"/>
+                                      </a:rPr>
                                     </m:ctrlPr>
                                   </m:sSubSupPr>
                                   <m:e>
                                     <m:r>
-                                      <a:rPr lang="en-US" altLang="zh-CN" i="1"/>
+                                      <a:rPr lang="en-US" altLang="zh-CN" i="1">
+                                        <a:latin typeface="Cambria Math" panose="02040503050406030204" pitchFamily="18" charset="0"/>
+                                      </a:rPr>
                                       <m:t>𝜃</m:t>
                                     </m:r>
                                   </m:e>
                                   <m:sub>
                                     <m:r>
-                                      <a:rPr lang="en-US" altLang="zh-CN" i="1"/>
+                                      <a:rPr lang="en-US" altLang="zh-CN" i="1">
+                                        <a:latin typeface="Cambria Math" panose="02040503050406030204" pitchFamily="18" charset="0"/>
+                                      </a:rPr>
                                       <m:t>2</m:t>
                                     </m:r>
                                   </m:sub>
                                   <m:sup>
                                     <m:r>
-                                      <a:rPr lang="en-US" altLang="zh-CN" i="1"/>
+                                      <a:rPr lang="en-US" altLang="zh-CN" i="1">
+                                        <a:latin typeface="Cambria Math" panose="02040503050406030204" pitchFamily="18" charset="0"/>
+                                      </a:rPr>
                                       <m:t>2</m:t>
                                     </m:r>
                                   </m:sup>
@@ -6592,47 +7008,63 @@
                               </m:den>
                             </m:f>
                             <m:r>
-                              <a:rPr lang="en-US" altLang="zh-CN" i="1"/>
+                              <a:rPr lang="en-US" altLang="zh-CN" i="1">
+                                <a:latin typeface="Cambria Math" panose="02040503050406030204" pitchFamily="18" charset="0"/>
+                              </a:rPr>
                               <m:t>(</m:t>
                             </m:r>
                             <m:sSub>
                               <m:sSubPr>
                                 <m:ctrlPr>
-                                  <a:rPr lang="zh-CN" altLang="zh-CN" i="1"/>
+                                  <a:rPr lang="zh-CN" altLang="zh-CN" i="1">
+                                    <a:latin typeface="Cambria Math" panose="02040503050406030204" pitchFamily="18" charset="0"/>
+                                  </a:rPr>
                                 </m:ctrlPr>
                               </m:sSubPr>
                               <m:e>
                                 <m:r>
-                                  <a:rPr lang="en-US" altLang="zh-CN" i="1"/>
+                                  <a:rPr lang="en-US" altLang="zh-CN" i="1">
+                                    <a:latin typeface="Cambria Math" panose="02040503050406030204" pitchFamily="18" charset="0"/>
+                                  </a:rPr>
                                   <m:t>𝑥</m:t>
                                 </m:r>
                               </m:e>
                               <m:sub>
                                 <m:r>
-                                  <a:rPr lang="en-US" altLang="zh-CN" i="1"/>
+                                  <a:rPr lang="en-US" altLang="zh-CN" i="1">
+                                    <a:latin typeface="Cambria Math" panose="02040503050406030204" pitchFamily="18" charset="0"/>
+                                  </a:rPr>
                                   <m:t>𝑘</m:t>
                                 </m:r>
                               </m:sub>
                             </m:sSub>
                             <m:r>
-                              <a:rPr lang="en-US" altLang="zh-CN" i="1"/>
+                              <a:rPr lang="en-US" altLang="zh-CN" i="1">
+                                <a:latin typeface="Cambria Math" panose="02040503050406030204" pitchFamily="18" charset="0"/>
+                              </a:rPr>
                               <m:t>−</m:t>
                             </m:r>
                             <m:sSub>
                               <m:sSubPr>
                                 <m:ctrlPr>
-                                  <a:rPr lang="zh-CN" altLang="zh-CN" i="1"/>
+                                  <a:rPr lang="zh-CN" altLang="zh-CN" i="1">
+                                    <a:latin typeface="Cambria Math" panose="02040503050406030204" pitchFamily="18" charset="0"/>
+                                  </a:rPr>
                                 </m:ctrlPr>
                               </m:sSubPr>
                               <m:e>
                                 <m:r>
-                                  <a:rPr lang="en-US" altLang="zh-CN" i="1"/>
+                                  <a:rPr lang="en-US" altLang="zh-CN" i="1">
+                                    <a:latin typeface="Cambria Math" panose="02040503050406030204" pitchFamily="18" charset="0"/>
+                                  </a:rPr>
                                   <m:t>𝜃</m:t>
                                 </m:r>
                               </m:e>
                               <m:sub>
                                 <m:r>
-                                  <a:rPr lang="en-US" altLang="zh-CN" i="1"/>
+                                  <a:rPr lang="en-US" altLang="zh-CN" i="1">
+                                    <a:latin typeface="Cambria Math" panose="02040503050406030204" pitchFamily="18" charset="0"/>
+                                  </a:rPr>
                                   <m:t>1</m:t>
                                 </m:r>
                               </m:sub>
@@ -6640,18 +7072,24 @@
                             <m:sSup>
                               <m:sSupPr>
                                 <m:ctrlPr>
-                                  <a:rPr lang="zh-CN" altLang="zh-CN" i="1"/>
+                                  <a:rPr lang="zh-CN" altLang="zh-CN" i="1">
+                                    <a:latin typeface="Cambria Math" panose="02040503050406030204" pitchFamily="18" charset="0"/>
+                                  </a:rPr>
                                 </m:ctrlPr>
                               </m:sSupPr>
                               <m:e>
                                 <m:r>
-                                  <a:rPr lang="en-US" altLang="zh-CN" i="1"/>
+                                  <a:rPr lang="en-US" altLang="zh-CN" i="1">
+                                    <a:latin typeface="Cambria Math" panose="02040503050406030204" pitchFamily="18" charset="0"/>
+                                  </a:rPr>
                                   <m:t>)</m:t>
                                 </m:r>
                               </m:e>
                               <m:sup>
                                 <m:r>
-                                  <a:rPr lang="en-US" altLang="zh-CN" i="1"/>
+                                  <a:rPr lang="en-US" altLang="zh-CN" i="1">
+                                    <a:latin typeface="Cambria Math" panose="02040503050406030204" pitchFamily="18" charset="0"/>
+                                  </a:rPr>
                                   <m:t>2</m:t>
                                 </m:r>
                               </m:sup>
@@ -6686,14 +7124,18 @@
                         <m:begChr m:val="{"/>
                         <m:endChr m:val=""/>
                         <m:ctrlPr>
-                          <a:rPr lang="zh-CN" altLang="zh-CN" i="1"/>
+                          <a:rPr lang="zh-CN" altLang="zh-CN" i="1">
+                            <a:latin typeface="Cambria Math" panose="02040503050406030204" pitchFamily="18" charset="0"/>
+                          </a:rPr>
                         </m:ctrlPr>
                       </m:dPr>
                       <m:e>
                         <m:eqArr>
                           <m:eqArrPr>
                             <m:ctrlPr>
-                              <a:rPr lang="zh-CN" altLang="zh-CN" i="1"/>
+                              <a:rPr lang="zh-CN" altLang="zh-CN" i="1">
+                                <a:latin typeface="Cambria Math" panose="02040503050406030204" pitchFamily="18" charset="0"/>
+                              </a:rPr>
                             </m:ctrlPr>
                           </m:eqArrPr>
                           <m:e>
@@ -6701,22 +7143,30 @@
                               <m:naryPr>
                                 <m:chr m:val="∑"/>
                                 <m:ctrlPr>
-                                  <a:rPr lang="zh-CN" altLang="zh-CN" i="1"/>
+                                  <a:rPr lang="zh-CN" altLang="zh-CN" i="1">
+                                    <a:latin typeface="Cambria Math" panose="02040503050406030204" pitchFamily="18" charset="0"/>
+                                  </a:rPr>
                                 </m:ctrlPr>
                               </m:naryPr>
                               <m:sub>
                                 <m:r>
-                                  <a:rPr lang="en-US" altLang="zh-CN" i="1"/>
+                                  <a:rPr lang="en-US" altLang="zh-CN" i="1">
+                                    <a:latin typeface="Cambria Math" panose="02040503050406030204" pitchFamily="18" charset="0"/>
+                                  </a:rPr>
                                   <m:t>𝑘</m:t>
                                 </m:r>
                                 <m:r>
-                                  <a:rPr lang="en-US" altLang="zh-CN" i="1"/>
+                                  <a:rPr lang="en-US" altLang="zh-CN" i="1">
+                                    <a:latin typeface="Cambria Math" panose="02040503050406030204" pitchFamily="18" charset="0"/>
+                                  </a:rPr>
                                   <m:t>=1</m:t>
                                 </m:r>
                               </m:sub>
                               <m:sup>
                                 <m:r>
-                                  <a:rPr lang="en-US" altLang="zh-CN" i="1"/>
+                                  <a:rPr lang="en-US" altLang="zh-CN" i="1">
+                                    <a:latin typeface="Cambria Math" panose="02040503050406030204" pitchFamily="18" charset="0"/>
+                                  </a:rPr>
                                   <m:t>𝑁</m:t>
                                 </m:r>
                               </m:sup>
@@ -6780,40 +7230,54 @@
                               </m:e>
                             </m:nary>
                             <m:r>
-                              <a:rPr lang="zh-CN" altLang="zh-CN" i="1" smtClean="0"/>
+                              <a:rPr lang="zh-CN" altLang="zh-CN" i="1" smtClean="0">
+                                <a:latin typeface="Cambria Math" panose="02040503050406030204" pitchFamily="18" charset="0"/>
+                              </a:rPr>
                               <m:t> </m:t>
                             </m:r>
                             <m:r>
-                              <a:rPr lang="en-US" altLang="zh-CN" i="1"/>
+                              <a:rPr lang="en-US" altLang="zh-CN" i="1">
+                                <a:latin typeface="Cambria Math" panose="02040503050406030204" pitchFamily="18" charset="0"/>
+                              </a:rPr>
                               <m:t>(</m:t>
                             </m:r>
                             <m:sSub>
                               <m:sSubPr>
                                 <m:ctrlPr>
-                                  <a:rPr lang="zh-CN" altLang="zh-CN" i="1"/>
+                                  <a:rPr lang="zh-CN" altLang="zh-CN" i="1">
+                                    <a:latin typeface="Cambria Math" panose="02040503050406030204" pitchFamily="18" charset="0"/>
+                                  </a:rPr>
                                 </m:ctrlPr>
                               </m:sSubPr>
                               <m:e>
                                 <m:r>
-                                  <a:rPr lang="en-US" altLang="zh-CN" i="1"/>
+                                  <a:rPr lang="en-US" altLang="zh-CN" i="1">
+                                    <a:latin typeface="Cambria Math" panose="02040503050406030204" pitchFamily="18" charset="0"/>
+                                  </a:rPr>
                                   <m:t>𝑥</m:t>
                                 </m:r>
                               </m:e>
                               <m:sub>
                                 <m:r>
-                                  <a:rPr lang="en-US" altLang="zh-CN" i="1"/>
+                                  <a:rPr lang="en-US" altLang="zh-CN" i="1">
+                                    <a:latin typeface="Cambria Math" panose="02040503050406030204" pitchFamily="18" charset="0"/>
+                                  </a:rPr>
                                   <m:t>𝑘</m:t>
                                 </m:r>
                               </m:sub>
                             </m:sSub>
                             <m:r>
-                              <a:rPr lang="en-US" altLang="zh-CN" i="1"/>
+                              <a:rPr lang="en-US" altLang="zh-CN" i="1">
+                                <a:latin typeface="Cambria Math" panose="02040503050406030204" pitchFamily="18" charset="0"/>
+                              </a:rPr>
                               <m:t>−</m:t>
                             </m:r>
                             <m:sSub>
                               <m:sSubPr>
                                 <m:ctrlPr>
-                                  <a:rPr lang="zh-CN" altLang="zh-CN" i="1"/>
+                                  <a:rPr lang="zh-CN" altLang="zh-CN" i="1">
+                                    <a:latin typeface="Cambria Math" panose="02040503050406030204" pitchFamily="18" charset="0"/>
+                                  </a:rPr>
                                 </m:ctrlPr>
                               </m:sSubPr>
                               <m:e>
@@ -6821,12 +7285,16 @@
                                   <m:accPr>
                                     <m:chr m:val="̂"/>
                                     <m:ctrlPr>
-                                      <a:rPr lang="zh-CN" altLang="zh-CN" i="1"/>
+                                      <a:rPr lang="zh-CN" altLang="zh-CN" i="1">
+                                        <a:latin typeface="Cambria Math" panose="02040503050406030204" pitchFamily="18" charset="0"/>
+                                      </a:rPr>
                                     </m:ctrlPr>
                                   </m:accPr>
                                   <m:e>
                                     <m:r>
-                                      <a:rPr lang="en-US" altLang="zh-CN" i="1"/>
+                                      <a:rPr lang="en-US" altLang="zh-CN" i="1">
+                                        <a:latin typeface="Cambria Math" panose="02040503050406030204" pitchFamily="18" charset="0"/>
+                                      </a:rPr>
                                       <m:t>𝜃</m:t>
                                     </m:r>
                                   </m:e>
@@ -6834,41 +7302,55 @@
                               </m:e>
                               <m:sub>
                                 <m:r>
-                                  <a:rPr lang="en-US" altLang="zh-CN" i="1"/>
+                                  <a:rPr lang="en-US" altLang="zh-CN" i="1">
+                                    <a:latin typeface="Cambria Math" panose="02040503050406030204" pitchFamily="18" charset="0"/>
+                                  </a:rPr>
                                   <m:t>1</m:t>
                                 </m:r>
                               </m:sub>
                             </m:sSub>
                             <m:r>
-                              <a:rPr lang="en-US" altLang="zh-CN" i="1"/>
+                              <a:rPr lang="en-US" altLang="zh-CN" i="1">
+                                <a:latin typeface="Cambria Math" panose="02040503050406030204" pitchFamily="18" charset="0"/>
+                              </a:rPr>
                               <m:t>)=0</m:t>
                             </m:r>
                           </m:e>
                           <m:e>
                             <m:r>
-                              <a:rPr lang="en-US" altLang="zh-CN" i="1"/>
+                              <a:rPr lang="en-US" altLang="zh-CN" i="1">
+                                <a:latin typeface="Cambria Math" panose="02040503050406030204" pitchFamily="18" charset="0"/>
+                              </a:rPr>
                               <m:t>−</m:t>
                             </m:r>
                             <m:nary>
                               <m:naryPr>
                                 <m:chr m:val="∑"/>
                                 <m:ctrlPr>
-                                  <a:rPr lang="zh-CN" altLang="zh-CN" i="1"/>
+                                  <a:rPr lang="zh-CN" altLang="zh-CN" i="1">
+                                    <a:latin typeface="Cambria Math" panose="02040503050406030204" pitchFamily="18" charset="0"/>
+                                  </a:rPr>
                                 </m:ctrlPr>
                               </m:naryPr>
                               <m:sub>
                                 <m:r>
-                                  <a:rPr lang="en-US" altLang="zh-CN" i="1"/>
+                                  <a:rPr lang="en-US" altLang="zh-CN" i="1">
+                                    <a:latin typeface="Cambria Math" panose="02040503050406030204" pitchFamily="18" charset="0"/>
+                                  </a:rPr>
                                   <m:t>𝑘</m:t>
                                 </m:r>
                                 <m:r>
-                                  <a:rPr lang="en-US" altLang="zh-CN" i="1"/>
+                                  <a:rPr lang="en-US" altLang="zh-CN" i="1">
+                                    <a:latin typeface="Cambria Math" panose="02040503050406030204" pitchFamily="18" charset="0"/>
+                                  </a:rPr>
                                   <m:t>=1</m:t>
                                 </m:r>
                               </m:sub>
                               <m:sup>
                                 <m:r>
-                                  <a:rPr lang="en-US" altLang="zh-CN" i="1"/>
+                                  <a:rPr lang="en-US" altLang="zh-CN" i="1">
+                                    <a:latin typeface="Cambria Math" panose="02040503050406030204" pitchFamily="18" charset="0"/>
+                                  </a:rPr>
                                   <m:t>𝑁</m:t>
                                 </m:r>
                               </m:sup>
@@ -6932,29 +7414,39 @@
                               </m:e>
                             </m:nary>
                             <m:r>
-                              <a:rPr lang="en-US" altLang="zh-CN" i="1"/>
+                              <a:rPr lang="en-US" altLang="zh-CN" i="1">
+                                <a:latin typeface="Cambria Math" panose="02040503050406030204" pitchFamily="18" charset="0"/>
+                              </a:rPr>
                               <m:t>+</m:t>
                             </m:r>
                             <m:nary>
                               <m:naryPr>
                                 <m:chr m:val="∑"/>
                                 <m:ctrlPr>
-                                  <a:rPr lang="zh-CN" altLang="zh-CN" i="1"/>
+                                  <a:rPr lang="zh-CN" altLang="zh-CN" i="1">
+                                    <a:latin typeface="Cambria Math" panose="02040503050406030204" pitchFamily="18" charset="0"/>
+                                  </a:rPr>
                                 </m:ctrlPr>
                               </m:naryPr>
                               <m:sub>
                                 <m:r>
-                                  <a:rPr lang="en-US" altLang="zh-CN" i="1"/>
+                                  <a:rPr lang="en-US" altLang="zh-CN" i="1">
+                                    <a:latin typeface="Cambria Math" panose="02040503050406030204" pitchFamily="18" charset="0"/>
+                                  </a:rPr>
                                   <m:t>𝑘</m:t>
                                 </m:r>
                                 <m:r>
-                                  <a:rPr lang="en-US" altLang="zh-CN" i="1"/>
+                                  <a:rPr lang="en-US" altLang="zh-CN" i="1">
+                                    <a:latin typeface="Cambria Math" panose="02040503050406030204" pitchFamily="18" charset="0"/>
+                                  </a:rPr>
                                   <m:t>=1</m:t>
                                 </m:r>
                               </m:sub>
                               <m:sup>
                                 <m:r>
-                                  <a:rPr lang="en-US" altLang="zh-CN" i="1"/>
+                                  <a:rPr lang="en-US" altLang="zh-CN" i="1">
+                                    <a:latin typeface="Cambria Math" panose="02040503050406030204" pitchFamily="18" charset="0"/>
+                                  </a:rPr>
                                   <m:t>𝑁</m:t>
                                 </m:r>
                               </m:sup>
@@ -7107,7 +7599,9 @@
                               </m:e>
                             </m:nary>
                             <m:r>
-                              <a:rPr lang="en-US" altLang="zh-CN" i="1"/>
+                              <a:rPr lang="en-US" altLang="zh-CN" i="1">
+                                <a:latin typeface="Cambria Math" panose="02040503050406030204" pitchFamily="18" charset="0"/>
+                              </a:rPr>
                               <m:t>=0</m:t>
                             </m:r>
                           </m:e>
@@ -7127,10 +7621,6 @@
               </a:p>
               <a:p>
                 <a:r>
-                  <a:rPr lang="en-US" altLang="zh-CN" dirty="0"/>
-                  <a:t>	</a:t>
-                </a:r>
-                <a:r>
                   <a:rPr lang="zh-CN" altLang="zh-CN" dirty="0"/>
                   <a:t>解得</a:t>
                 </a:r>
@@ -7147,24 +7637,32 @@
                       <m:accPr>
                         <m:chr m:val="̂"/>
                         <m:ctrlPr>
-                          <a:rPr lang="zh-CN" altLang="zh-CN" i="1"/>
+                          <a:rPr lang="zh-CN" altLang="zh-CN" i="1">
+                            <a:latin typeface="Cambria Math" panose="02040503050406030204" pitchFamily="18" charset="0"/>
+                          </a:rPr>
                         </m:ctrlPr>
                       </m:accPr>
                       <m:e>
                         <m:r>
-                          <a:rPr lang="en-US" altLang="zh-CN" i="1"/>
+                          <a:rPr lang="en-US" altLang="zh-CN" i="1">
+                            <a:latin typeface="Cambria Math" panose="02040503050406030204" pitchFamily="18" charset="0"/>
+                          </a:rPr>
                           <m:t>𝜇</m:t>
                         </m:r>
                       </m:e>
                     </m:acc>
                     <m:r>
-                      <a:rPr lang="en-US" altLang="zh-CN" i="1"/>
+                      <a:rPr lang="en-US" altLang="zh-CN" i="1">
+                        <a:latin typeface="Cambria Math" panose="02040503050406030204" pitchFamily="18" charset="0"/>
+                      </a:rPr>
                       <m:t>=</m:t>
                     </m:r>
                     <m:sSub>
                       <m:sSubPr>
                         <m:ctrlPr>
-                          <a:rPr lang="zh-CN" altLang="zh-CN" i="1"/>
+                          <a:rPr lang="zh-CN" altLang="zh-CN" i="1">
+                            <a:latin typeface="Cambria Math" panose="02040503050406030204" pitchFamily="18" charset="0"/>
+                          </a:rPr>
                         </m:ctrlPr>
                       </m:sSubPr>
                       <m:e>
@@ -7172,12 +7670,16 @@
                           <m:accPr>
                             <m:chr m:val="̂"/>
                             <m:ctrlPr>
-                              <a:rPr lang="zh-CN" altLang="zh-CN" i="1"/>
+                              <a:rPr lang="zh-CN" altLang="zh-CN" i="1">
+                                <a:latin typeface="Cambria Math" panose="02040503050406030204" pitchFamily="18" charset="0"/>
+                              </a:rPr>
                             </m:ctrlPr>
                           </m:accPr>
                           <m:e>
                             <m:r>
-                              <a:rPr lang="en-US" altLang="zh-CN" i="1"/>
+                              <a:rPr lang="en-US" altLang="zh-CN" i="1">
+                                <a:latin typeface="Cambria Math" panose="02040503050406030204" pitchFamily="18" charset="0"/>
+                              </a:rPr>
                               <m:t>𝜃</m:t>
                             </m:r>
                           </m:e>
@@ -7185,30 +7687,40 @@
                       </m:e>
                       <m:sub>
                         <m:r>
-                          <a:rPr lang="en-US" altLang="zh-CN" i="1"/>
+                          <a:rPr lang="en-US" altLang="zh-CN" i="1">
+                            <a:latin typeface="Cambria Math" panose="02040503050406030204" pitchFamily="18" charset="0"/>
+                          </a:rPr>
                           <m:t>1</m:t>
                         </m:r>
                       </m:sub>
                     </m:sSub>
                     <m:r>
-                      <a:rPr lang="en-US" altLang="zh-CN" i="1"/>
+                      <a:rPr lang="en-US" altLang="zh-CN" i="1">
+                        <a:latin typeface="Cambria Math" panose="02040503050406030204" pitchFamily="18" charset="0"/>
+                      </a:rPr>
                       <m:t>=</m:t>
                     </m:r>
                     <m:f>
                       <m:fPr>
                         <m:ctrlPr>
-                          <a:rPr lang="zh-CN" altLang="zh-CN" i="1"/>
+                          <a:rPr lang="zh-CN" altLang="zh-CN" i="1">
+                            <a:latin typeface="Cambria Math" panose="02040503050406030204" pitchFamily="18" charset="0"/>
+                          </a:rPr>
                         </m:ctrlPr>
                       </m:fPr>
                       <m:num>
                         <m:r>
-                          <a:rPr lang="en-US" altLang="zh-CN" i="1"/>
+                          <a:rPr lang="en-US" altLang="zh-CN" i="1">
+                            <a:latin typeface="Cambria Math" panose="02040503050406030204" pitchFamily="18" charset="0"/>
+                          </a:rPr>
                           <m:t>1</m:t>
                         </m:r>
                       </m:num>
                       <m:den>
                         <m:r>
-                          <a:rPr lang="en-US" altLang="zh-CN" i="1"/>
+                          <a:rPr lang="en-US" altLang="zh-CN" i="1">
+                            <a:latin typeface="Cambria Math" panose="02040503050406030204" pitchFamily="18" charset="0"/>
+                          </a:rPr>
                           <m:t>𝑁</m:t>
                         </m:r>
                       </m:den>
@@ -7217,22 +7729,30 @@
                       <m:naryPr>
                         <m:chr m:val="∑"/>
                         <m:ctrlPr>
-                          <a:rPr lang="zh-CN" altLang="zh-CN" i="1"/>
+                          <a:rPr lang="zh-CN" altLang="zh-CN" i="1">
+                            <a:latin typeface="Cambria Math" panose="02040503050406030204" pitchFamily="18" charset="0"/>
+                          </a:rPr>
                         </m:ctrlPr>
                       </m:naryPr>
                       <m:sub>
                         <m:r>
-                          <a:rPr lang="en-US" altLang="zh-CN" i="1"/>
+                          <a:rPr lang="en-US" altLang="zh-CN" i="1">
+                            <a:latin typeface="Cambria Math" panose="02040503050406030204" pitchFamily="18" charset="0"/>
+                          </a:rPr>
                           <m:t>𝑘</m:t>
                         </m:r>
                         <m:r>
-                          <a:rPr lang="en-US" altLang="zh-CN" i="1"/>
+                          <a:rPr lang="en-US" altLang="zh-CN" i="1">
+                            <a:latin typeface="Cambria Math" panose="02040503050406030204" pitchFamily="18" charset="0"/>
+                          </a:rPr>
                           <m:t>=1</m:t>
                         </m:r>
                       </m:sub>
                       <m:sup>
                         <m:r>
-                          <a:rPr lang="en-US" altLang="zh-CN" i="1"/>
+                          <a:rPr lang="en-US" altLang="zh-CN" i="1">
+                            <a:latin typeface="Cambria Math" panose="02040503050406030204" pitchFamily="18" charset="0"/>
+                          </a:rPr>
                           <m:t>𝑁</m:t>
                         </m:r>
                       </m:sup>
@@ -7269,16 +7789,14 @@
                 <a:endParaRPr lang="zh-CN" altLang="zh-CN" dirty="0"/>
               </a:p>
               <a:p>
-                <a:r>
-                  <a:rPr lang="en-US" altLang="zh-CN" dirty="0"/>
-                  <a:t>				</a:t>
-                </a:r>
                 <a14:m>
                   <m:oMath xmlns:m="http://schemas.openxmlformats.org/officeDocument/2006/math">
                     <m:sSup>
                       <m:sSupPr>
                         <m:ctrlPr>
-                          <a:rPr lang="zh-CN" altLang="zh-CN" i="1"/>
+                          <a:rPr lang="zh-CN" altLang="zh-CN" i="1">
+                            <a:latin typeface="Cambria Math" panose="02040503050406030204" pitchFamily="18" charset="0"/>
+                          </a:rPr>
                         </m:ctrlPr>
                       </m:sSupPr>
                       <m:e>
@@ -7286,12 +7804,16 @@
                           <m:accPr>
                             <m:chr m:val="̂"/>
                             <m:ctrlPr>
-                              <a:rPr lang="zh-CN" altLang="zh-CN" i="1"/>
+                              <a:rPr lang="zh-CN" altLang="zh-CN" i="1">
+                                <a:latin typeface="Cambria Math" panose="02040503050406030204" pitchFamily="18" charset="0"/>
+                              </a:rPr>
                             </m:ctrlPr>
                           </m:accPr>
                           <m:e>
                             <m:r>
-                              <a:rPr lang="en-US" altLang="zh-CN" i="1"/>
+                              <a:rPr lang="en-US" altLang="zh-CN" i="1">
+                                <a:latin typeface="Cambria Math" panose="02040503050406030204" pitchFamily="18" charset="0"/>
+                              </a:rPr>
                               <m:t>𝜎</m:t>
                             </m:r>
                           </m:e>
@@ -7299,19 +7821,25 @@
                       </m:e>
                       <m:sup>
                         <m:r>
-                          <a:rPr lang="en-US" altLang="zh-CN" i="1"/>
+                          <a:rPr lang="en-US" altLang="zh-CN" i="1">
+                            <a:latin typeface="Cambria Math" panose="02040503050406030204" pitchFamily="18" charset="0"/>
+                          </a:rPr>
                           <m:t>2</m:t>
                         </m:r>
                       </m:sup>
                     </m:sSup>
                     <m:r>
-                      <a:rPr lang="en-US" altLang="zh-CN" i="1"/>
+                      <a:rPr lang="en-US" altLang="zh-CN" i="1">
+                        <a:latin typeface="Cambria Math" panose="02040503050406030204" pitchFamily="18" charset="0"/>
+                      </a:rPr>
                       <m:t>=</m:t>
                     </m:r>
                     <m:sSub>
                       <m:sSubPr>
                         <m:ctrlPr>
-                          <a:rPr lang="zh-CN" altLang="zh-CN" i="1"/>
+                          <a:rPr lang="zh-CN" altLang="zh-CN" i="1">
+                            <a:latin typeface="Cambria Math" panose="02040503050406030204" pitchFamily="18" charset="0"/>
+                          </a:rPr>
                         </m:ctrlPr>
                       </m:sSubPr>
                       <m:e>
@@ -7319,12 +7847,16 @@
                           <m:accPr>
                             <m:chr m:val="̂"/>
                             <m:ctrlPr>
-                              <a:rPr lang="zh-CN" altLang="zh-CN" i="1"/>
+                              <a:rPr lang="zh-CN" altLang="zh-CN" i="1">
+                                <a:latin typeface="Cambria Math" panose="02040503050406030204" pitchFamily="18" charset="0"/>
+                              </a:rPr>
                             </m:ctrlPr>
                           </m:accPr>
                           <m:e>
                             <m:r>
-                              <a:rPr lang="en-US" altLang="zh-CN" i="1"/>
+                              <a:rPr lang="en-US" altLang="zh-CN" i="1">
+                                <a:latin typeface="Cambria Math" panose="02040503050406030204" pitchFamily="18" charset="0"/>
+                              </a:rPr>
                               <m:t>𝜃</m:t>
                             </m:r>
                           </m:e>
@@ -7332,30 +7864,40 @@
                       </m:e>
                       <m:sub>
                         <m:r>
-                          <a:rPr lang="en-US" altLang="zh-CN" i="1"/>
+                          <a:rPr lang="en-US" altLang="zh-CN" i="1">
+                            <a:latin typeface="Cambria Math" panose="02040503050406030204" pitchFamily="18" charset="0"/>
+                          </a:rPr>
                           <m:t>2</m:t>
                         </m:r>
                       </m:sub>
                     </m:sSub>
                     <m:r>
-                      <a:rPr lang="en-US" altLang="zh-CN" i="1"/>
+                      <a:rPr lang="en-US" altLang="zh-CN" i="1">
+                        <a:latin typeface="Cambria Math" panose="02040503050406030204" pitchFamily="18" charset="0"/>
+                      </a:rPr>
                       <m:t>=</m:t>
                     </m:r>
                     <m:f>
                       <m:fPr>
                         <m:ctrlPr>
-                          <a:rPr lang="zh-CN" altLang="zh-CN" i="1"/>
+                          <a:rPr lang="zh-CN" altLang="zh-CN" i="1">
+                            <a:latin typeface="Cambria Math" panose="02040503050406030204" pitchFamily="18" charset="0"/>
+                          </a:rPr>
                         </m:ctrlPr>
                       </m:fPr>
                       <m:num>
                         <m:r>
-                          <a:rPr lang="en-US" altLang="zh-CN" i="1"/>
+                          <a:rPr lang="en-US" altLang="zh-CN" i="1">
+                            <a:latin typeface="Cambria Math" panose="02040503050406030204" pitchFamily="18" charset="0"/>
+                          </a:rPr>
                           <m:t>1</m:t>
                         </m:r>
                       </m:num>
                       <m:den>
                         <m:r>
-                          <a:rPr lang="en-US" altLang="zh-CN" i="1"/>
+                          <a:rPr lang="en-US" altLang="zh-CN" i="1">
+                            <a:latin typeface="Cambria Math" panose="02040503050406030204" pitchFamily="18" charset="0"/>
+                          </a:rPr>
                           <m:t>𝑁</m:t>
                         </m:r>
                       </m:den>
@@ -7364,22 +7906,30 @@
                       <m:naryPr>
                         <m:chr m:val="∑"/>
                         <m:ctrlPr>
-                          <a:rPr lang="zh-CN" altLang="zh-CN" i="1"/>
+                          <a:rPr lang="zh-CN" altLang="zh-CN" i="1">
+                            <a:latin typeface="Cambria Math" panose="02040503050406030204" pitchFamily="18" charset="0"/>
+                          </a:rPr>
                         </m:ctrlPr>
                       </m:naryPr>
                       <m:sub>
                         <m:r>
-                          <a:rPr lang="en-US" altLang="zh-CN" i="1"/>
+                          <a:rPr lang="en-US" altLang="zh-CN" i="1">
+                            <a:latin typeface="Cambria Math" panose="02040503050406030204" pitchFamily="18" charset="0"/>
+                          </a:rPr>
                           <m:t>𝑘</m:t>
                         </m:r>
                         <m:r>
-                          <a:rPr lang="en-US" altLang="zh-CN" i="1"/>
+                          <a:rPr lang="en-US" altLang="zh-CN" i="1">
+                            <a:latin typeface="Cambria Math" panose="02040503050406030204" pitchFamily="18" charset="0"/>
+                          </a:rPr>
                           <m:t>=1</m:t>
                         </m:r>
                       </m:sub>
                       <m:sup>
                         <m:r>
-                          <a:rPr lang="en-US" altLang="zh-CN" i="1"/>
+                          <a:rPr lang="en-US" altLang="zh-CN" i="1">
+                            <a:latin typeface="Cambria Math" panose="02040503050406030204" pitchFamily="18" charset="0"/>
+                          </a:rPr>
                           <m:t>𝑁</m:t>
                         </m:r>
                       </m:sup>
@@ -18395,8 +18945,8 @@
           </a:p>
         </p:txBody>
       </p:sp>
-      <mc:AlternateContent xmlns:mc="http://schemas.openxmlformats.org/markup-compatibility/2006">
-        <mc:Choice xmlns:a14="http://schemas.microsoft.com/office/drawing/2010/main" Requires="a14">
+      <mc:AlternateContent xmlns:mc="http://schemas.openxmlformats.org/markup-compatibility/2006" xmlns:a14="http://schemas.microsoft.com/office/drawing/2010/main">
+        <mc:Choice Requires="a14">
           <p:sp>
             <p:nvSpPr>
               <p:cNvPr id="3" name="内容占位符 2">
@@ -18648,7 +19198,7 @@
             </p:txBody>
           </p:sp>
         </mc:Choice>
-        <mc:Fallback>
+        <mc:Fallback xmlns="">
           <p:sp>
             <p:nvSpPr>
               <p:cNvPr id="3" name="内容占位符 2">
@@ -29137,8 +29687,8 @@
           </a:p>
         </p:txBody>
       </p:sp>
-      <mc:AlternateContent xmlns:mc="http://schemas.openxmlformats.org/markup-compatibility/2006">
-        <mc:Choice xmlns:a14="http://schemas.microsoft.com/office/drawing/2010/main" Requires="a14">
+      <mc:AlternateContent xmlns:mc="http://schemas.openxmlformats.org/markup-compatibility/2006" xmlns:a14="http://schemas.microsoft.com/office/drawing/2010/main">
+        <mc:Choice Requires="a14">
           <p:sp>
             <p:nvSpPr>
               <p:cNvPr id="3" name="内容占位符 2">
@@ -29611,7 +30161,7 @@
             </p:txBody>
           </p:sp>
         </mc:Choice>
-        <mc:Fallback>
+        <mc:Fallback xmlns="">
           <p:sp>
             <p:nvSpPr>
               <p:cNvPr id="3" name="内容占位符 2">
@@ -31049,8 +31599,8 @@
           <a:chExt cx="0" cy="0"/>
         </a:xfrm>
       </p:grpSpPr>
-      <mc:AlternateContent xmlns:mc="http://schemas.openxmlformats.org/markup-compatibility/2006">
-        <mc:Choice xmlns:a14="http://schemas.microsoft.com/office/drawing/2010/main" Requires="a14">
+      <mc:AlternateContent xmlns:mc="http://schemas.openxmlformats.org/markup-compatibility/2006" xmlns:a14="http://schemas.microsoft.com/office/drawing/2010/main">
+        <mc:Choice Requires="a14">
           <p:sp>
             <p:nvSpPr>
               <p:cNvPr id="3" name="内容占位符 2">
@@ -31155,15 +31705,21 @@
                 <a14:m>
                   <m:oMath xmlns:m="http://schemas.openxmlformats.org/officeDocument/2006/math">
                     <m:r>
-                      <a:rPr lang="en-US" altLang="zh-CN" i="1"/>
+                      <a:rPr lang="en-US" altLang="zh-CN" i="1">
+                        <a:latin typeface="Cambria Math" panose="02040503050406030204" pitchFamily="18" charset="0"/>
+                      </a:rPr>
                       <m:t>𝜃</m:t>
                     </m:r>
                     <m:r>
-                      <a:rPr lang="zh-CN" altLang="zh-CN" i="1"/>
+                      <a:rPr lang="zh-CN" altLang="zh-CN" i="1">
+                        <a:latin typeface="Cambria Math" panose="02040503050406030204" pitchFamily="18" charset="0"/>
+                      </a:rPr>
                       <m:t>∈</m:t>
                     </m:r>
                     <m:r>
-                      <a:rPr lang="en-US" altLang="zh-CN" i="1"/>
+                      <a:rPr lang="en-US" altLang="zh-CN" i="1">
+                        <a:latin typeface="Cambria Math" panose="02040503050406030204" pitchFamily="18" charset="0"/>
+                      </a:rPr>
                       <m:t>𝛩</m:t>
                     </m:r>
                   </m:oMath>
@@ -31189,87 +31745,117 @@
                       <m:accPr>
                         <m:chr m:val="̂"/>
                         <m:ctrlPr>
-                          <a:rPr lang="zh-CN" altLang="zh-CN" i="1"/>
+                          <a:rPr lang="zh-CN" altLang="zh-CN" i="1">
+                            <a:latin typeface="Cambria Math" panose="02040503050406030204" pitchFamily="18" charset="0"/>
+                          </a:rPr>
                         </m:ctrlPr>
                       </m:accPr>
                       <m:e>
                         <m:r>
-                          <a:rPr lang="en-US" altLang="zh-CN" i="1"/>
+                          <a:rPr lang="en-US" altLang="zh-CN" i="1">
+                            <a:latin typeface="Cambria Math" panose="02040503050406030204" pitchFamily="18" charset="0"/>
+                          </a:rPr>
                           <m:t>𝜃</m:t>
                         </m:r>
                       </m:e>
                     </m:acc>
                     <m:r>
-                      <a:rPr lang="en-US" altLang="zh-CN" i="1"/>
+                      <a:rPr lang="en-US" altLang="zh-CN" i="1">
+                        <a:latin typeface="Cambria Math" panose="02040503050406030204" pitchFamily="18" charset="0"/>
+                      </a:rPr>
                       <m:t>(</m:t>
                     </m:r>
                     <m:sSub>
                       <m:sSubPr>
                         <m:ctrlPr>
-                          <a:rPr lang="zh-CN" altLang="zh-CN" i="1"/>
+                          <a:rPr lang="zh-CN" altLang="zh-CN" i="1">
+                            <a:latin typeface="Cambria Math" panose="02040503050406030204" pitchFamily="18" charset="0"/>
+                          </a:rPr>
                         </m:ctrlPr>
                       </m:sSubPr>
                       <m:e>
                         <m:r>
-                          <a:rPr lang="en-US" altLang="zh-CN" i="1"/>
+                          <a:rPr lang="en-US" altLang="zh-CN" i="1">
+                            <a:latin typeface="Cambria Math" panose="02040503050406030204" pitchFamily="18" charset="0"/>
+                          </a:rPr>
                           <m:t>𝑥</m:t>
                         </m:r>
                       </m:e>
                       <m:sub>
                         <m:r>
-                          <a:rPr lang="en-US" altLang="zh-CN" i="1"/>
+                          <a:rPr lang="en-US" altLang="zh-CN" i="1">
+                            <a:latin typeface="Cambria Math" panose="02040503050406030204" pitchFamily="18" charset="0"/>
+                          </a:rPr>
                           <m:t>1</m:t>
                         </m:r>
                       </m:sub>
                     </m:sSub>
                     <m:r>
-                      <a:rPr lang="en-US" altLang="zh-CN" i="1"/>
+                      <a:rPr lang="en-US" altLang="zh-CN" i="1">
+                        <a:latin typeface="Cambria Math" panose="02040503050406030204" pitchFamily="18" charset="0"/>
+                      </a:rPr>
                       <m:t>,</m:t>
                     </m:r>
                     <m:sSub>
                       <m:sSubPr>
                         <m:ctrlPr>
-                          <a:rPr lang="zh-CN" altLang="zh-CN" i="1"/>
+                          <a:rPr lang="zh-CN" altLang="zh-CN" i="1">
+                            <a:latin typeface="Cambria Math" panose="02040503050406030204" pitchFamily="18" charset="0"/>
+                          </a:rPr>
                         </m:ctrlPr>
                       </m:sSubPr>
                       <m:e>
                         <m:r>
-                          <a:rPr lang="en-US" altLang="zh-CN" i="1"/>
+                          <a:rPr lang="en-US" altLang="zh-CN" i="1">
+                            <a:latin typeface="Cambria Math" panose="02040503050406030204" pitchFamily="18" charset="0"/>
+                          </a:rPr>
                           <m:t>𝑥</m:t>
                         </m:r>
                       </m:e>
                       <m:sub>
                         <m:r>
-                          <a:rPr lang="en-US" altLang="zh-CN" i="1"/>
+                          <a:rPr lang="en-US" altLang="zh-CN" i="1">
+                            <a:latin typeface="Cambria Math" panose="02040503050406030204" pitchFamily="18" charset="0"/>
+                          </a:rPr>
                           <m:t>2</m:t>
                         </m:r>
                       </m:sub>
                     </m:sSub>
                     <m:r>
-                      <a:rPr lang="en-US" altLang="zh-CN" i="1"/>
+                      <a:rPr lang="en-US" altLang="zh-CN" i="1">
+                        <a:latin typeface="Cambria Math" panose="02040503050406030204" pitchFamily="18" charset="0"/>
+                      </a:rPr>
                       <m:t>,⋯,</m:t>
                     </m:r>
                     <m:sSub>
                       <m:sSubPr>
                         <m:ctrlPr>
-                          <a:rPr lang="zh-CN" altLang="zh-CN" i="1"/>
+                          <a:rPr lang="zh-CN" altLang="zh-CN" i="1">
+                            <a:latin typeface="Cambria Math" panose="02040503050406030204" pitchFamily="18" charset="0"/>
+                          </a:rPr>
                         </m:ctrlPr>
                       </m:sSubPr>
                       <m:e>
                         <m:r>
-                          <a:rPr lang="en-US" altLang="zh-CN" i="1"/>
+                          <a:rPr lang="en-US" altLang="zh-CN" i="1">
+                            <a:latin typeface="Cambria Math" panose="02040503050406030204" pitchFamily="18" charset="0"/>
+                          </a:rPr>
                           <m:t>𝑥</m:t>
                         </m:r>
                       </m:e>
                       <m:sub>
                         <m:r>
-                          <a:rPr lang="en-US" altLang="zh-CN" i="1"/>
+                          <a:rPr lang="en-US" altLang="zh-CN" i="1">
+                            <a:latin typeface="Cambria Math" panose="02040503050406030204" pitchFamily="18" charset="0"/>
+                          </a:rPr>
                           <m:t>𝑁</m:t>
                         </m:r>
                       </m:sub>
                     </m:sSub>
                     <m:r>
-                      <a:rPr lang="en-US" altLang="zh-CN" i="1"/>
+                      <a:rPr lang="en-US" altLang="zh-CN" i="1">
+                        <a:latin typeface="Cambria Math" panose="02040503050406030204" pitchFamily="18" charset="0"/>
+                      </a:rPr>
                       <m:t>)</m:t>
                     </m:r>
                   </m:oMath>
@@ -31293,7 +31879,7 @@
             </p:txBody>
           </p:sp>
         </mc:Choice>
-        <mc:Fallback>
+        <mc:Fallback xmlns="">
           <p:sp>
             <p:nvSpPr>
               <p:cNvPr id="3" name="内容占位符 2">
@@ -33135,8 +33721,8 @@
           <a:chExt cx="0" cy="0"/>
         </a:xfrm>
       </p:grpSpPr>
-      <mc:AlternateContent xmlns:mc="http://schemas.openxmlformats.org/markup-compatibility/2006">
-        <mc:Choice xmlns:a14="http://schemas.microsoft.com/office/drawing/2010/main" Requires="a14">
+      <mc:AlternateContent xmlns:mc="http://schemas.openxmlformats.org/markup-compatibility/2006" xmlns:a14="http://schemas.microsoft.com/office/drawing/2010/main">
+        <mc:Choice Requires="a14">
           <p:sp>
             <p:nvSpPr>
               <p:cNvPr id="3" name="内容占位符 2">
@@ -33174,11 +33760,15 @@
                 <a14:m>
                   <m:oMath xmlns:m="http://schemas.openxmlformats.org/officeDocument/2006/math">
                     <m:r>
-                      <a:rPr lang="en-US" altLang="zh-CN" i="1"/>
+                      <a:rPr lang="en-US" altLang="zh-CN" i="1">
+                        <a:latin typeface="Cambria Math" panose="02040503050406030204" pitchFamily="18" charset="0"/>
+                      </a:rPr>
                       <m:t>𝑋</m:t>
                     </m:r>
                     <m:r>
-                      <a:rPr lang="en-US" altLang="zh-CN" i="1"/>
+                      <a:rPr lang="en-US" altLang="zh-CN" i="1">
+                        <a:latin typeface="Cambria Math" panose="02040503050406030204" pitchFamily="18" charset="0"/>
+                      </a:rPr>
                       <m:t>=</m:t>
                     </m:r>
                     <m:d>
@@ -33186,71 +33776,95 @@
                         <m:begChr m:val="{"/>
                         <m:endChr m:val="}"/>
                         <m:ctrlPr>
-                          <a:rPr lang="zh-CN" altLang="zh-CN" i="1"/>
+                          <a:rPr lang="zh-CN" altLang="zh-CN" i="1">
+                            <a:latin typeface="Cambria Math" panose="02040503050406030204" pitchFamily="18" charset="0"/>
+                          </a:rPr>
                         </m:ctrlPr>
                       </m:dPr>
                       <m:e>
                         <m:sSub>
                           <m:sSubPr>
                             <m:ctrlPr>
-                              <a:rPr lang="zh-CN" altLang="zh-CN" i="1"/>
+                              <a:rPr lang="zh-CN" altLang="zh-CN" i="1">
+                                <a:latin typeface="Cambria Math" panose="02040503050406030204" pitchFamily="18" charset="0"/>
+                              </a:rPr>
                             </m:ctrlPr>
                           </m:sSubPr>
                           <m:e>
                             <m:r>
-                              <a:rPr lang="en-US" altLang="zh-CN" i="1"/>
+                              <a:rPr lang="en-US" altLang="zh-CN" i="1">
+                                <a:latin typeface="Cambria Math" panose="02040503050406030204" pitchFamily="18" charset="0"/>
+                              </a:rPr>
                               <m:t>𝑥</m:t>
                             </m:r>
                           </m:e>
                           <m:sub>
                             <m:r>
-                              <a:rPr lang="en-US" altLang="zh-CN" i="1"/>
+                              <a:rPr lang="en-US" altLang="zh-CN" i="1">
+                                <a:latin typeface="Cambria Math" panose="02040503050406030204" pitchFamily="18" charset="0"/>
+                              </a:rPr>
                               <m:t>1</m:t>
                             </m:r>
                           </m:sub>
                         </m:sSub>
                         <m:r>
-                          <a:rPr lang="en-US" altLang="zh-CN" i="1"/>
+                          <a:rPr lang="en-US" altLang="zh-CN" i="1">
+                            <a:latin typeface="Cambria Math" panose="02040503050406030204" pitchFamily="18" charset="0"/>
+                          </a:rPr>
                           <m:t>,</m:t>
                         </m:r>
                         <m:sSub>
                           <m:sSubPr>
                             <m:ctrlPr>
-                              <a:rPr lang="zh-CN" altLang="zh-CN" i="1"/>
+                              <a:rPr lang="zh-CN" altLang="zh-CN" i="1">
+                                <a:latin typeface="Cambria Math" panose="02040503050406030204" pitchFamily="18" charset="0"/>
+                              </a:rPr>
                             </m:ctrlPr>
                           </m:sSubPr>
                           <m:e>
                             <m:r>
-                              <a:rPr lang="en-US" altLang="zh-CN" i="1"/>
+                              <a:rPr lang="en-US" altLang="zh-CN" i="1">
+                                <a:latin typeface="Cambria Math" panose="02040503050406030204" pitchFamily="18" charset="0"/>
+                              </a:rPr>
                               <m:t>𝑥</m:t>
                             </m:r>
                           </m:e>
                           <m:sub>
                             <m:r>
-                              <a:rPr lang="en-US" altLang="zh-CN" i="1"/>
+                              <a:rPr lang="en-US" altLang="zh-CN" i="1">
+                                <a:latin typeface="Cambria Math" panose="02040503050406030204" pitchFamily="18" charset="0"/>
+                              </a:rPr>
                               <m:t>2</m:t>
                             </m:r>
                           </m:sub>
                         </m:sSub>
                         <m:r>
-                          <a:rPr lang="en-US" altLang="zh-CN" i="1"/>
+                          <a:rPr lang="en-US" altLang="zh-CN" i="1">
+                            <a:latin typeface="Cambria Math" panose="02040503050406030204" pitchFamily="18" charset="0"/>
+                          </a:rPr>
                           <m:t>,⋯,</m:t>
                         </m:r>
                         <m:sSub>
                           <m:sSubPr>
                             <m:ctrlPr>
-                              <a:rPr lang="zh-CN" altLang="zh-CN" i="1"/>
+                              <a:rPr lang="zh-CN" altLang="zh-CN" i="1">
+                                <a:latin typeface="Cambria Math" panose="02040503050406030204" pitchFamily="18" charset="0"/>
+                              </a:rPr>
                             </m:ctrlPr>
                           </m:sSubPr>
                           <m:e>
                             <m:r>
-                              <a:rPr lang="en-US" altLang="zh-CN" i="1"/>
+                              <a:rPr lang="en-US" altLang="zh-CN" i="1">
+                                <a:latin typeface="Cambria Math" panose="02040503050406030204" pitchFamily="18" charset="0"/>
+                              </a:rPr>
                               <m:t>𝑥</m:t>
                             </m:r>
                           </m:e>
                           <m:sub>
                             <m:r>
-                              <a:rPr lang="en-US" altLang="zh-CN" i="1"/>
+                              <a:rPr lang="en-US" altLang="zh-CN" i="1">
+                                <a:latin typeface="Cambria Math" panose="02040503050406030204" pitchFamily="18" charset="0"/>
+                              </a:rPr>
                               <m:t>𝑁</m:t>
                             </m:r>
                           </m:sub>
@@ -33280,150 +33894,210 @@
                 <a14:m>
                   <m:oMath xmlns:m="http://schemas.openxmlformats.org/officeDocument/2006/math">
                     <m:r>
-                      <a:rPr lang="en-US" altLang="zh-CN" i="1"/>
+                      <a:rPr lang="en-US" altLang="zh-CN" i="1">
+                        <a:latin typeface="Cambria Math" panose="02040503050406030204" pitchFamily="18" charset="0"/>
+                      </a:rPr>
                       <m:t>𝑙</m:t>
                     </m:r>
                     <m:r>
-                      <a:rPr lang="en-US" altLang="zh-CN" i="1"/>
+                      <a:rPr lang="en-US" altLang="zh-CN" i="1">
+                        <a:latin typeface="Cambria Math" panose="02040503050406030204" pitchFamily="18" charset="0"/>
+                      </a:rPr>
                       <m:t>(</m:t>
                     </m:r>
                     <m:r>
-                      <a:rPr lang="en-US" altLang="zh-CN" i="1"/>
+                      <a:rPr lang="en-US" altLang="zh-CN" i="1">
+                        <a:latin typeface="Cambria Math" panose="02040503050406030204" pitchFamily="18" charset="0"/>
+                      </a:rPr>
                       <m:t>𝜃</m:t>
                     </m:r>
                     <m:r>
-                      <a:rPr lang="en-US" altLang="zh-CN" i="1"/>
+                      <a:rPr lang="en-US" altLang="zh-CN" i="1">
+                        <a:latin typeface="Cambria Math" panose="02040503050406030204" pitchFamily="18" charset="0"/>
+                      </a:rPr>
                       <m:t>)=</m:t>
                     </m:r>
                     <m:r>
-                      <a:rPr lang="en-US" altLang="zh-CN" i="1"/>
+                      <a:rPr lang="en-US" altLang="zh-CN" i="1">
+                        <a:latin typeface="Cambria Math" panose="02040503050406030204" pitchFamily="18" charset="0"/>
+                      </a:rPr>
                       <m:t>𝑝</m:t>
                     </m:r>
                     <m:r>
-                      <a:rPr lang="en-US" altLang="zh-CN" i="1"/>
+                      <a:rPr lang="en-US" altLang="zh-CN" i="1">
+                        <a:latin typeface="Cambria Math" panose="02040503050406030204" pitchFamily="18" charset="0"/>
+                      </a:rPr>
                       <m:t>(</m:t>
                     </m:r>
                     <m:r>
-                      <a:rPr lang="en-US" altLang="zh-CN" i="1"/>
+                      <a:rPr lang="en-US" altLang="zh-CN" i="1">
+                        <a:latin typeface="Cambria Math" panose="02040503050406030204" pitchFamily="18" charset="0"/>
+                      </a:rPr>
                       <m:t>𝑋</m:t>
                     </m:r>
                     <m:r>
-                      <a:rPr lang="en-US" altLang="zh-CN" i="1"/>
+                      <a:rPr lang="en-US" altLang="zh-CN" i="1">
+                        <a:latin typeface="Cambria Math" panose="02040503050406030204" pitchFamily="18" charset="0"/>
+                      </a:rPr>
                       <m:t>|</m:t>
                     </m:r>
                     <m:r>
-                      <a:rPr lang="en-US" altLang="zh-CN" i="1"/>
+                      <a:rPr lang="en-US" altLang="zh-CN" i="1">
+                        <a:latin typeface="Cambria Math" panose="02040503050406030204" pitchFamily="18" charset="0"/>
+                      </a:rPr>
                       <m:t>𝜃</m:t>
                     </m:r>
                     <m:r>
-                      <a:rPr lang="en-US" altLang="zh-CN" i="1"/>
+                      <a:rPr lang="en-US" altLang="zh-CN" i="1">
+                        <a:latin typeface="Cambria Math" panose="02040503050406030204" pitchFamily="18" charset="0"/>
+                      </a:rPr>
                       <m:t>)=</m:t>
                     </m:r>
                     <m:r>
-                      <a:rPr lang="en-US" altLang="zh-CN" i="1"/>
+                      <a:rPr lang="en-US" altLang="zh-CN" i="1">
+                        <a:latin typeface="Cambria Math" panose="02040503050406030204" pitchFamily="18" charset="0"/>
+                      </a:rPr>
                       <m:t>𝑝</m:t>
                     </m:r>
                     <m:r>
-                      <a:rPr lang="en-US" altLang="zh-CN" i="1"/>
+                      <a:rPr lang="en-US" altLang="zh-CN" i="1">
+                        <a:latin typeface="Cambria Math" panose="02040503050406030204" pitchFamily="18" charset="0"/>
+                      </a:rPr>
                       <m:t>(</m:t>
                     </m:r>
                     <m:sSub>
                       <m:sSubPr>
                         <m:ctrlPr>
-                          <a:rPr lang="zh-CN" altLang="zh-CN" i="1"/>
+                          <a:rPr lang="zh-CN" altLang="zh-CN" i="1">
+                            <a:latin typeface="Cambria Math" panose="02040503050406030204" pitchFamily="18" charset="0"/>
+                          </a:rPr>
                         </m:ctrlPr>
                       </m:sSubPr>
                       <m:e>
                         <m:r>
-                          <a:rPr lang="en-US" altLang="zh-CN" i="1"/>
+                          <a:rPr lang="en-US" altLang="zh-CN" i="1">
+                            <a:latin typeface="Cambria Math" panose="02040503050406030204" pitchFamily="18" charset="0"/>
+                          </a:rPr>
                           <m:t>𝑥</m:t>
                         </m:r>
                       </m:e>
                       <m:sub>
                         <m:r>
-                          <a:rPr lang="en-US" altLang="zh-CN" i="1"/>
+                          <a:rPr lang="en-US" altLang="zh-CN" i="1">
+                            <a:latin typeface="Cambria Math" panose="02040503050406030204" pitchFamily="18" charset="0"/>
+                          </a:rPr>
                           <m:t>1</m:t>
                         </m:r>
                       </m:sub>
                     </m:sSub>
                     <m:r>
-                      <a:rPr lang="en-US" altLang="zh-CN" i="1"/>
+                      <a:rPr lang="en-US" altLang="zh-CN" i="1">
+                        <a:latin typeface="Cambria Math" panose="02040503050406030204" pitchFamily="18" charset="0"/>
+                      </a:rPr>
                       <m:t>,</m:t>
                     </m:r>
                     <m:sSub>
                       <m:sSubPr>
                         <m:ctrlPr>
-                          <a:rPr lang="zh-CN" altLang="zh-CN" i="1"/>
+                          <a:rPr lang="zh-CN" altLang="zh-CN" i="1">
+                            <a:latin typeface="Cambria Math" panose="02040503050406030204" pitchFamily="18" charset="0"/>
+                          </a:rPr>
                         </m:ctrlPr>
                       </m:sSubPr>
                       <m:e>
                         <m:r>
-                          <a:rPr lang="en-US" altLang="zh-CN" i="1"/>
+                          <a:rPr lang="en-US" altLang="zh-CN" i="1">
+                            <a:latin typeface="Cambria Math" panose="02040503050406030204" pitchFamily="18" charset="0"/>
+                          </a:rPr>
                           <m:t>𝑥</m:t>
                         </m:r>
                       </m:e>
                       <m:sub>
                         <m:r>
-                          <a:rPr lang="en-US" altLang="zh-CN" i="1"/>
+                          <a:rPr lang="en-US" altLang="zh-CN" i="1">
+                            <a:latin typeface="Cambria Math" panose="02040503050406030204" pitchFamily="18" charset="0"/>
+                          </a:rPr>
                           <m:t>2</m:t>
                         </m:r>
                       </m:sub>
                     </m:sSub>
                     <m:r>
-                      <a:rPr lang="en-US" altLang="zh-CN" i="1"/>
+                      <a:rPr lang="en-US" altLang="zh-CN" i="1">
+                        <a:latin typeface="Cambria Math" panose="02040503050406030204" pitchFamily="18" charset="0"/>
+                      </a:rPr>
                       <m:t>,⋯,</m:t>
                     </m:r>
                     <m:sSub>
                       <m:sSubPr>
                         <m:ctrlPr>
-                          <a:rPr lang="zh-CN" altLang="zh-CN" i="1"/>
+                          <a:rPr lang="zh-CN" altLang="zh-CN" i="1">
+                            <a:latin typeface="Cambria Math" panose="02040503050406030204" pitchFamily="18" charset="0"/>
+                          </a:rPr>
                         </m:ctrlPr>
                       </m:sSubPr>
                       <m:e>
                         <m:r>
-                          <a:rPr lang="en-US" altLang="zh-CN" i="1"/>
+                          <a:rPr lang="en-US" altLang="zh-CN" i="1">
+                            <a:latin typeface="Cambria Math" panose="02040503050406030204" pitchFamily="18" charset="0"/>
+                          </a:rPr>
                           <m:t>𝑥</m:t>
                         </m:r>
                       </m:e>
                       <m:sub>
                         <m:r>
-                          <a:rPr lang="en-US" altLang="zh-CN" i="1"/>
+                          <a:rPr lang="en-US" altLang="zh-CN" i="1">
+                            <a:latin typeface="Cambria Math" panose="02040503050406030204" pitchFamily="18" charset="0"/>
+                          </a:rPr>
                           <m:t>𝑁</m:t>
                         </m:r>
                       </m:sub>
                     </m:sSub>
                     <m:r>
-                      <a:rPr lang="en-US" altLang="zh-CN" i="1"/>
+                      <a:rPr lang="en-US" altLang="zh-CN" i="1">
+                        <a:latin typeface="Cambria Math" panose="02040503050406030204" pitchFamily="18" charset="0"/>
+                      </a:rPr>
                       <m:t>|</m:t>
                     </m:r>
                     <m:r>
-                      <a:rPr lang="en-US" altLang="zh-CN" i="1"/>
+                      <a:rPr lang="en-US" altLang="zh-CN" i="1">
+                        <a:latin typeface="Cambria Math" panose="02040503050406030204" pitchFamily="18" charset="0"/>
+                      </a:rPr>
                       <m:t>𝜃</m:t>
                     </m:r>
                     <m:r>
-                      <a:rPr lang="en-US" altLang="zh-CN" i="1"/>
+                      <a:rPr lang="en-US" altLang="zh-CN" i="1">
+                        <a:latin typeface="Cambria Math" panose="02040503050406030204" pitchFamily="18" charset="0"/>
+                      </a:rPr>
                       <m:t>)=</m:t>
                     </m:r>
                     <m:nary>
                       <m:naryPr>
                         <m:chr m:val="∏"/>
                         <m:ctrlPr>
-                          <a:rPr lang="zh-CN" altLang="zh-CN" i="1"/>
+                          <a:rPr lang="zh-CN" altLang="zh-CN" i="1">
+                            <a:latin typeface="Cambria Math" panose="02040503050406030204" pitchFamily="18" charset="0"/>
+                          </a:rPr>
                         </m:ctrlPr>
                       </m:naryPr>
                       <m:sub>
                         <m:r>
-                          <a:rPr lang="en-US" altLang="zh-CN" i="1"/>
+                          <a:rPr lang="en-US" altLang="zh-CN" i="1">
+                            <a:latin typeface="Cambria Math" panose="02040503050406030204" pitchFamily="18" charset="0"/>
+                          </a:rPr>
                           <m:t>𝑖</m:t>
                         </m:r>
                         <m:r>
-                          <a:rPr lang="en-US" altLang="zh-CN" i="1"/>
+                          <a:rPr lang="en-US" altLang="zh-CN" i="1">
+                            <a:latin typeface="Cambria Math" panose="02040503050406030204" pitchFamily="18" charset="0"/>
+                          </a:rPr>
                           <m:t>=1</m:t>
                         </m:r>
                       </m:sub>
                       <m:sup>
                         <m:r>
-                          <a:rPr lang="en-US" altLang="zh-CN" i="1"/>
+                          <a:rPr lang="en-US" altLang="zh-CN" i="1">
+                            <a:latin typeface="Cambria Math" panose="02040503050406030204" pitchFamily="18" charset="0"/>
+                          </a:rPr>
                           <m:t>𝑁</m:t>
                         </m:r>
                       </m:sup>
@@ -33505,7 +34179,9 @@
                 <a14:m>
                   <m:oMath xmlns:m="http://schemas.openxmlformats.org/officeDocument/2006/math">
                     <m:r>
-                      <a:rPr lang="en-US" altLang="zh-CN" i="1"/>
+                      <a:rPr lang="en-US" altLang="zh-CN" i="1">
+                        <a:latin typeface="Cambria Math" panose="02040503050406030204" pitchFamily="18" charset="0"/>
+                      </a:rPr>
                       <m:t>𝜃</m:t>
                     </m:r>
                   </m:oMath>
@@ -33517,7 +34193,9 @@
                 <a14:m>
                   <m:oMath xmlns:m="http://schemas.openxmlformats.org/officeDocument/2006/math">
                     <m:r>
-                      <a:rPr lang="en-US" altLang="zh-CN" i="1"/>
+                      <a:rPr lang="en-US" altLang="zh-CN" i="1">
+                        <a:latin typeface="Cambria Math" panose="02040503050406030204" pitchFamily="18" charset="0"/>
+                      </a:rPr>
                       <m:t>𝑋</m:t>
                     </m:r>
                   </m:oMath>
@@ -33549,23 +34227,31 @@
                 <a14:m>
                   <m:oMath xmlns:m="http://schemas.openxmlformats.org/officeDocument/2006/math">
                     <m:r>
-                      <a:rPr lang="en-US" altLang="zh-CN" i="1"/>
+                      <a:rPr lang="en-US" altLang="zh-CN" i="1">
+                        <a:latin typeface="Cambria Math" panose="02040503050406030204" pitchFamily="18" charset="0"/>
+                      </a:rPr>
                       <m:t>𝜃</m:t>
                     </m:r>
                     <m:r>
-                      <a:rPr lang="en-US" altLang="zh-CN" i="1"/>
+                      <a:rPr lang="en-US" altLang="zh-CN" i="1">
+                        <a:latin typeface="Cambria Math" panose="02040503050406030204" pitchFamily="18" charset="0"/>
+                      </a:rPr>
                       <m:t>=</m:t>
                     </m:r>
                     <m:acc>
                       <m:accPr>
                         <m:chr m:val="̂"/>
                         <m:ctrlPr>
-                          <a:rPr lang="zh-CN" altLang="zh-CN" i="1"/>
+                          <a:rPr lang="zh-CN" altLang="zh-CN" i="1">
+                            <a:latin typeface="Cambria Math" panose="02040503050406030204" pitchFamily="18" charset="0"/>
+                          </a:rPr>
                         </m:ctrlPr>
                       </m:accPr>
                       <m:e>
                         <m:r>
-                          <a:rPr lang="en-US" altLang="zh-CN" i="1"/>
+                          <a:rPr lang="en-US" altLang="zh-CN" i="1">
+                            <a:latin typeface="Cambria Math" panose="02040503050406030204" pitchFamily="18" charset="0"/>
+                          </a:rPr>
                           <m:t>𝜃</m:t>
                         </m:r>
                       </m:e>
@@ -33579,19 +34265,27 @@
                 <a14:m>
                   <m:oMath xmlns:m="http://schemas.openxmlformats.org/officeDocument/2006/math">
                     <m:r>
-                      <a:rPr lang="en-US" altLang="zh-CN" i="1"/>
+                      <a:rPr lang="en-US" altLang="zh-CN" i="1">
+                        <a:latin typeface="Cambria Math" panose="02040503050406030204" pitchFamily="18" charset="0"/>
+                      </a:rPr>
                       <m:t>𝑙</m:t>
                     </m:r>
                     <m:r>
-                      <a:rPr lang="en-US" altLang="zh-CN" i="1"/>
+                      <a:rPr lang="en-US" altLang="zh-CN" i="1">
+                        <a:latin typeface="Cambria Math" panose="02040503050406030204" pitchFamily="18" charset="0"/>
+                      </a:rPr>
                       <m:t>(</m:t>
                     </m:r>
                     <m:r>
-                      <a:rPr lang="en-US" altLang="zh-CN" i="1"/>
+                      <a:rPr lang="en-US" altLang="zh-CN" i="1">
+                        <a:latin typeface="Cambria Math" panose="02040503050406030204" pitchFamily="18" charset="0"/>
+                      </a:rPr>
                       <m:t>𝜃</m:t>
                     </m:r>
                     <m:r>
-                      <a:rPr lang="en-US" altLang="zh-CN" i="1"/>
+                      <a:rPr lang="en-US" altLang="zh-CN" i="1">
+                        <a:latin typeface="Cambria Math" panose="02040503050406030204" pitchFamily="18" charset="0"/>
+                      </a:rPr>
                       <m:t>)</m:t>
                     </m:r>
                   </m:oMath>
@@ -33606,12 +34300,16 @@
                       <m:accPr>
                         <m:chr m:val="̂"/>
                         <m:ctrlPr>
-                          <a:rPr lang="zh-CN" altLang="zh-CN" i="1"/>
+                          <a:rPr lang="zh-CN" altLang="zh-CN" i="1">
+                            <a:latin typeface="Cambria Math" panose="02040503050406030204" pitchFamily="18" charset="0"/>
+                          </a:rPr>
                         </m:ctrlPr>
                       </m:accPr>
                       <m:e>
                         <m:r>
-                          <a:rPr lang="en-US" altLang="zh-CN" i="1"/>
+                          <a:rPr lang="en-US" altLang="zh-CN" i="1">
+                            <a:latin typeface="Cambria Math" panose="02040503050406030204" pitchFamily="18" charset="0"/>
+                          </a:rPr>
                           <m:t>𝜃</m:t>
                         </m:r>
                       </m:e>
@@ -33628,111 +34326,153 @@
                       <m:accPr>
                         <m:chr m:val="̂"/>
                         <m:ctrlPr>
-                          <a:rPr lang="zh-CN" altLang="zh-CN" i="1"/>
+                          <a:rPr lang="zh-CN" altLang="zh-CN" i="1">
+                            <a:latin typeface="Cambria Math" panose="02040503050406030204" pitchFamily="18" charset="0"/>
+                          </a:rPr>
                         </m:ctrlPr>
                       </m:accPr>
                       <m:e>
                         <m:r>
-                          <a:rPr lang="en-US" altLang="zh-CN" i="1"/>
+                          <a:rPr lang="en-US" altLang="zh-CN" i="1">
+                            <a:latin typeface="Cambria Math" panose="02040503050406030204" pitchFamily="18" charset="0"/>
+                          </a:rPr>
                           <m:t>𝜃</m:t>
                         </m:r>
                       </m:e>
                     </m:acc>
                     <m:r>
-                      <a:rPr lang="en-US" altLang="zh-CN" i="1"/>
+                      <a:rPr lang="en-US" altLang="zh-CN" i="1">
+                        <a:latin typeface="Cambria Math" panose="02040503050406030204" pitchFamily="18" charset="0"/>
+                      </a:rPr>
                       <m:t>=</m:t>
                     </m:r>
                     <m:r>
-                      <a:rPr lang="en-US" altLang="zh-CN" i="1"/>
+                      <a:rPr lang="en-US" altLang="zh-CN" i="1">
+                        <a:latin typeface="Cambria Math" panose="02040503050406030204" pitchFamily="18" charset="0"/>
+                      </a:rPr>
                       <m:t>𝑑</m:t>
                     </m:r>
                     <m:r>
-                      <a:rPr lang="en-US" altLang="zh-CN" i="1"/>
+                      <a:rPr lang="en-US" altLang="zh-CN" i="1">
+                        <a:latin typeface="Cambria Math" panose="02040503050406030204" pitchFamily="18" charset="0"/>
+                      </a:rPr>
                       <m:t>(</m:t>
                     </m:r>
                     <m:sSub>
                       <m:sSubPr>
                         <m:ctrlPr>
-                          <a:rPr lang="zh-CN" altLang="zh-CN" i="1"/>
+                          <a:rPr lang="zh-CN" altLang="zh-CN" i="1">
+                            <a:latin typeface="Cambria Math" panose="02040503050406030204" pitchFamily="18" charset="0"/>
+                          </a:rPr>
                         </m:ctrlPr>
                       </m:sSubPr>
                       <m:e>
                         <m:r>
-                          <a:rPr lang="en-US" altLang="zh-CN" i="1"/>
+                          <a:rPr lang="en-US" altLang="zh-CN" i="1">
+                            <a:latin typeface="Cambria Math" panose="02040503050406030204" pitchFamily="18" charset="0"/>
+                          </a:rPr>
                           <m:t>𝑥</m:t>
                         </m:r>
                       </m:e>
                       <m:sub>
                         <m:r>
-                          <a:rPr lang="en-US" altLang="zh-CN" i="1"/>
+                          <a:rPr lang="en-US" altLang="zh-CN" i="1">
+                            <a:latin typeface="Cambria Math" panose="02040503050406030204" pitchFamily="18" charset="0"/>
+                          </a:rPr>
                           <m:t>1</m:t>
                         </m:r>
                       </m:sub>
                     </m:sSub>
                     <m:r>
-                      <a:rPr lang="en-US" altLang="zh-CN" i="1"/>
+                      <a:rPr lang="en-US" altLang="zh-CN" i="1">
+                        <a:latin typeface="Cambria Math" panose="02040503050406030204" pitchFamily="18" charset="0"/>
+                      </a:rPr>
                       <m:t>,</m:t>
                     </m:r>
                     <m:sSub>
                       <m:sSubPr>
                         <m:ctrlPr>
-                          <a:rPr lang="zh-CN" altLang="zh-CN" i="1"/>
+                          <a:rPr lang="zh-CN" altLang="zh-CN" i="1">
+                            <a:latin typeface="Cambria Math" panose="02040503050406030204" pitchFamily="18" charset="0"/>
+                          </a:rPr>
                         </m:ctrlPr>
                       </m:sSubPr>
                       <m:e>
                         <m:r>
-                          <a:rPr lang="en-US" altLang="zh-CN" i="1"/>
+                          <a:rPr lang="en-US" altLang="zh-CN" i="1">
+                            <a:latin typeface="Cambria Math" panose="02040503050406030204" pitchFamily="18" charset="0"/>
+                          </a:rPr>
                           <m:t>𝑥</m:t>
                         </m:r>
                       </m:e>
                       <m:sub>
                         <m:r>
-                          <a:rPr lang="en-US" altLang="zh-CN" i="1"/>
+                          <a:rPr lang="en-US" altLang="zh-CN" i="1">
+                            <a:latin typeface="Cambria Math" panose="02040503050406030204" pitchFamily="18" charset="0"/>
+                          </a:rPr>
                           <m:t>2</m:t>
                         </m:r>
                       </m:sub>
                     </m:sSub>
                     <m:r>
-                      <a:rPr lang="en-US" altLang="zh-CN" i="1"/>
+                      <a:rPr lang="en-US" altLang="zh-CN" i="1">
+                        <a:latin typeface="Cambria Math" panose="02040503050406030204" pitchFamily="18" charset="0"/>
+                      </a:rPr>
                       <m:t>,⋯,</m:t>
                     </m:r>
                     <m:sSub>
                       <m:sSubPr>
                         <m:ctrlPr>
-                          <a:rPr lang="zh-CN" altLang="zh-CN" i="1"/>
+                          <a:rPr lang="zh-CN" altLang="zh-CN" i="1">
+                            <a:latin typeface="Cambria Math" panose="02040503050406030204" pitchFamily="18" charset="0"/>
+                          </a:rPr>
                         </m:ctrlPr>
                       </m:sSubPr>
                       <m:e>
                         <m:r>
-                          <a:rPr lang="en-US" altLang="zh-CN" i="1"/>
+                          <a:rPr lang="en-US" altLang="zh-CN" i="1">
+                            <a:latin typeface="Cambria Math" panose="02040503050406030204" pitchFamily="18" charset="0"/>
+                          </a:rPr>
                           <m:t>𝑥</m:t>
                         </m:r>
                       </m:e>
                       <m:sub>
                         <m:r>
-                          <a:rPr lang="en-US" altLang="zh-CN" i="1"/>
+                          <a:rPr lang="en-US" altLang="zh-CN" i="1">
+                            <a:latin typeface="Cambria Math" panose="02040503050406030204" pitchFamily="18" charset="0"/>
+                          </a:rPr>
                           <m:t>𝑁</m:t>
                         </m:r>
                       </m:sub>
                     </m:sSub>
                     <m:r>
-                      <a:rPr lang="en-US" altLang="zh-CN" i="1"/>
+                      <a:rPr lang="en-US" altLang="zh-CN" i="1">
+                        <a:latin typeface="Cambria Math" panose="02040503050406030204" pitchFamily="18" charset="0"/>
+                      </a:rPr>
                       <m:t>)=</m:t>
                     </m:r>
                     <m:r>
-                      <a:rPr lang="en-US" altLang="zh-CN" i="1"/>
+                      <a:rPr lang="en-US" altLang="zh-CN" i="1">
+                        <a:latin typeface="Cambria Math" panose="02040503050406030204" pitchFamily="18" charset="0"/>
+                      </a:rPr>
                       <m:t>𝑑</m:t>
                     </m:r>
                     <m:r>
-                      <a:rPr lang="en-US" altLang="zh-CN" i="1"/>
+                      <a:rPr lang="en-US" altLang="zh-CN" i="1">
+                        <a:latin typeface="Cambria Math" panose="02040503050406030204" pitchFamily="18" charset="0"/>
+                      </a:rPr>
                       <m:t>(</m:t>
                     </m:r>
                     <m:r>
-                      <a:rPr lang="en-US" altLang="zh-CN" i="1"/>
+                      <a:rPr lang="en-US" altLang="zh-CN" i="1">
+                        <a:latin typeface="Cambria Math" panose="02040503050406030204" pitchFamily="18" charset="0"/>
+                      </a:rPr>
                       <m:t>𝑋</m:t>
                     </m:r>
                     <m:r>
-                      <a:rPr lang="en-US" altLang="zh-CN" i="1"/>
+                      <a:rPr lang="en-US" altLang="zh-CN" i="1">
+                        <a:latin typeface="Cambria Math" panose="02040503050406030204" pitchFamily="18" charset="0"/>
+                      </a:rPr>
                       <m:t>)</m:t>
                     </m:r>
                   </m:oMath>
@@ -33750,50 +34490,70 @@
                 <a14:m>
                   <m:oMath xmlns:m="http://schemas.openxmlformats.org/officeDocument/2006/math">
                     <m:r>
-                      <a:rPr lang="en-US" altLang="zh-CN" i="1"/>
+                      <a:rPr lang="en-US" altLang="zh-CN" i="1">
+                        <a:latin typeface="Cambria Math" panose="02040503050406030204" pitchFamily="18" charset="0"/>
+                      </a:rPr>
                       <m:t>𝐻</m:t>
                     </m:r>
                     <m:r>
-                      <a:rPr lang="en-US" altLang="zh-CN" i="1"/>
+                      <a:rPr lang="en-US" altLang="zh-CN" i="1">
+                        <a:latin typeface="Cambria Math" panose="02040503050406030204" pitchFamily="18" charset="0"/>
+                      </a:rPr>
                       <m:t>(</m:t>
                     </m:r>
                     <m:r>
-                      <a:rPr lang="en-US" altLang="zh-CN" i="1"/>
+                      <a:rPr lang="en-US" altLang="zh-CN" i="1">
+                        <a:latin typeface="Cambria Math" panose="02040503050406030204" pitchFamily="18" charset="0"/>
+                      </a:rPr>
                       <m:t>𝜃</m:t>
                     </m:r>
                     <m:r>
-                      <a:rPr lang="en-US" altLang="zh-CN" i="1"/>
+                      <a:rPr lang="en-US" altLang="zh-CN" i="1">
+                        <a:latin typeface="Cambria Math" panose="02040503050406030204" pitchFamily="18" charset="0"/>
+                      </a:rPr>
                       <m:t>)=</m:t>
                     </m:r>
                     <m:func>
                       <m:funcPr>
                         <m:ctrlPr>
-                          <a:rPr lang="zh-CN" altLang="zh-CN" i="1"/>
+                          <a:rPr lang="zh-CN" altLang="zh-CN" i="1">
+                            <a:latin typeface="Cambria Math" panose="02040503050406030204" pitchFamily="18" charset="0"/>
+                          </a:rPr>
                         </m:ctrlPr>
                       </m:funcPr>
                       <m:fName>
                         <m:r>
-                          <a:rPr lang="en-US" altLang="zh-CN" i="1"/>
+                          <a:rPr lang="en-US" altLang="zh-CN" i="1">
+                            <a:latin typeface="Cambria Math" panose="02040503050406030204" pitchFamily="18" charset="0"/>
+                          </a:rPr>
                           <m:t>𝑙𝑛</m:t>
                         </m:r>
                       </m:fName>
                       <m:e>
                         <m:r>
-                          <a:rPr lang="en-US" altLang="zh-CN" i="1"/>
+                          <a:rPr lang="en-US" altLang="zh-CN" i="1">
+                            <a:latin typeface="Cambria Math" panose="02040503050406030204" pitchFamily="18" charset="0"/>
+                          </a:rPr>
                           <m:t>𝑙</m:t>
                         </m:r>
                       </m:e>
                     </m:func>
                     <m:r>
-                      <a:rPr lang="en-US" altLang="zh-CN" i="1"/>
+                      <a:rPr lang="en-US" altLang="zh-CN" i="1">
+                        <a:latin typeface="Cambria Math" panose="02040503050406030204" pitchFamily="18" charset="0"/>
+                      </a:rPr>
                       <m:t>(</m:t>
                     </m:r>
                     <m:r>
-                      <a:rPr lang="en-US" altLang="zh-CN" i="1"/>
+                      <a:rPr lang="en-US" altLang="zh-CN" i="1">
+                        <a:latin typeface="Cambria Math" panose="02040503050406030204" pitchFamily="18" charset="0"/>
+                      </a:rPr>
                       <m:t>𝜃</m:t>
                     </m:r>
                     <m:r>
-                      <a:rPr lang="en-US" altLang="zh-CN" i="1"/>
+                      <a:rPr lang="en-US" altLang="zh-CN" i="1">
+                        <a:latin typeface="Cambria Math" panose="02040503050406030204" pitchFamily="18" charset="0"/>
+                      </a:rPr>
                       <m:t>)</m:t>
                     </m:r>
                   </m:oMath>
@@ -33816,7 +34576,7 @@
             </p:txBody>
           </p:sp>
         </mc:Choice>
-        <mc:Fallback>
+        <mc:Fallback xmlns="">
           <p:sp>
             <p:nvSpPr>
               <p:cNvPr id="3" name="内容占位符 2">
